--- a/WalkAbout/doc/WalkAbout.pptx
+++ b/WalkAbout/doc/WalkAbout.pptx
@@ -5,10 +5,10 @@
     <p:sldMasterId id="2147483648" r:id="rId1"/>
   </p:sldMasterIdLst>
   <p:notesMasterIdLst>
-    <p:notesMasterId r:id="rId8"/>
+    <p:notesMasterId r:id="rId9"/>
   </p:notesMasterIdLst>
   <p:handoutMasterIdLst>
-    <p:handoutMasterId r:id="rId9"/>
+    <p:handoutMasterId r:id="rId10"/>
   </p:handoutMasterIdLst>
   <p:sldIdLst>
     <p:sldId id="319" r:id="rId2"/>
@@ -17,6 +17,7 @@
     <p:sldId id="331" r:id="rId5"/>
     <p:sldId id="342" r:id="rId6"/>
     <p:sldId id="334" r:id="rId7"/>
+    <p:sldId id="344" r:id="rId8"/>
   </p:sldIdLst>
   <p:sldSz cx="9144000" cy="6858000" type="screen4x3"/>
   <p:notesSz cx="6858000" cy="9144000"/>
@@ -959,18 +960,15 @@
           <a:lstStyle/>
           <a:p>
             <a:pPr lvl="0"/>
-            <a:r>
-              <a:rPr lang="en-US" sz="1200" kern="1200" dirty="0" smtClean="0">
-                <a:solidFill>
-                  <a:schemeClr val="tx1"/>
-                </a:solidFill>
-                <a:effectLst/>
-                <a:latin typeface="+mn-lt"/>
-                <a:ea typeface="+mn-ea"/>
-                <a:cs typeface="+mn-cs"/>
-              </a:rPr>
-              <a:t>2. The demo. If your app is long or very complex, you just have to show the most important aspect and discuss the others. You may take screenshots of the entire app and include that in your submission</a:t>
-            </a:r>
+            <a:endParaRPr lang="en-US" sz="1200" kern="1200" dirty="0" smtClean="0">
+              <a:solidFill>
+                <a:schemeClr val="tx1"/>
+              </a:solidFill>
+              <a:effectLst/>
+              <a:latin typeface="+mn-lt"/>
+              <a:ea typeface="+mn-ea"/>
+              <a:cs typeface="+mn-cs"/>
+            </a:endParaRPr>
           </a:p>
         </p:txBody>
       </p:sp>
@@ -1407,6 +1405,185 @@
               <a:rPr lang="en-US" smtClean="0"/>
               <a:pPr/>
               <a:t>6</a:t>
+            </a:fld>
+            <a:endParaRPr lang="en-US" dirty="0"/>
+          </a:p>
+        </p:txBody>
+      </p:sp>
+    </p:spTree>
+  </p:cSld>
+  <p:clrMapOvr>
+    <a:masterClrMapping/>
+  </p:clrMapOvr>
+</p:notes>
+</file>
+
+<file path=ppt/notesSlides/notesSlide7.xml><?xml version="1.0" encoding="utf-8"?>
+<p:notes xmlns:a="http://schemas.openxmlformats.org/drawingml/2006/main" xmlns:r="http://schemas.openxmlformats.org/officeDocument/2006/relationships" xmlns:p="http://schemas.openxmlformats.org/presentationml/2006/main">
+  <p:cSld>
+    <p:spTree>
+      <p:nvGrpSpPr>
+        <p:cNvPr id="1" name=""/>
+        <p:cNvGrpSpPr/>
+        <p:nvPr/>
+      </p:nvGrpSpPr>
+      <p:grpSpPr>
+        <a:xfrm>
+          <a:off x="0" y="0"/>
+          <a:ext cx="0" cy="0"/>
+          <a:chOff x="0" y="0"/>
+          <a:chExt cx="0" cy="0"/>
+        </a:xfrm>
+      </p:grpSpPr>
+      <p:sp>
+        <p:nvSpPr>
+          <p:cNvPr id="2" name="Slide Image Placeholder 1"/>
+          <p:cNvSpPr>
+            <a:spLocks noGrp="1" noRot="1" noChangeAspect="1"/>
+          </p:cNvSpPr>
+          <p:nvPr>
+            <p:ph type="sldImg"/>
+          </p:nvPr>
+        </p:nvSpPr>
+        <p:spPr/>
+      </p:sp>
+      <p:sp>
+        <p:nvSpPr>
+          <p:cNvPr id="3" name="Notes Placeholder 2"/>
+          <p:cNvSpPr>
+            <a:spLocks noGrp="1"/>
+          </p:cNvSpPr>
+          <p:nvPr>
+            <p:ph type="body" idx="1"/>
+          </p:nvPr>
+        </p:nvSpPr>
+        <p:spPr/>
+        <p:txBody>
+          <a:bodyPr>
+            <a:normAutofit/>
+          </a:bodyPr>
+          <a:lstStyle/>
+          <a:p>
+            <a:pPr lvl="0"/>
+            <a:r>
+              <a:rPr lang="en-US" sz="1200" kern="1200" dirty="0" smtClean="0">
+                <a:solidFill>
+                  <a:schemeClr val="tx1"/>
+                </a:solidFill>
+                <a:effectLst/>
+                <a:latin typeface="+mn-lt"/>
+                <a:ea typeface="+mn-ea"/>
+                <a:cs typeface="+mn-cs"/>
+              </a:rPr>
+              <a:t>1. Description of the project =&gt; what's the problem you're trying to solve</a:t>
+            </a:r>
+          </a:p>
+          <a:p>
+            <a:pPr lvl="0"/>
+            <a:r>
+              <a:rPr lang="en-US" sz="1200" kern="1200" dirty="0" smtClean="0">
+                <a:solidFill>
+                  <a:schemeClr val="tx1"/>
+                </a:solidFill>
+                <a:effectLst/>
+                <a:latin typeface="+mn-lt"/>
+                <a:ea typeface="+mn-ea"/>
+                <a:cs typeface="+mn-cs"/>
+              </a:rPr>
+              <a:t>2. The demo. If your app is long or very complex, you just have to show the most important aspect and discuss the others. You may take screenshots of the entire app and include that in your submission</a:t>
+            </a:r>
+          </a:p>
+          <a:p>
+            <a:pPr lvl="0"/>
+            <a:r>
+              <a:rPr lang="en-US" sz="1200" kern="1200" dirty="0" smtClean="0">
+                <a:solidFill>
+                  <a:schemeClr val="tx1"/>
+                </a:solidFill>
+                <a:effectLst/>
+                <a:latin typeface="+mn-lt"/>
+                <a:ea typeface="+mn-ea"/>
+                <a:cs typeface="+mn-cs"/>
+              </a:rPr>
+              <a:t>3. Brief discussion of what went right and what didn't and how you overcame the problems</a:t>
+            </a:r>
+          </a:p>
+          <a:p>
+            <a:pPr lvl="0"/>
+            <a:r>
+              <a:rPr lang="en-US" sz="1200" kern="1200" dirty="0" smtClean="0">
+                <a:solidFill>
+                  <a:schemeClr val="tx1"/>
+                </a:solidFill>
+                <a:effectLst/>
+                <a:latin typeface="+mn-lt"/>
+                <a:ea typeface="+mn-ea"/>
+                <a:cs typeface="+mn-cs"/>
+              </a:rPr>
+              <a:t>4. A brief overview of the key items you learned doing the project.</a:t>
+            </a:r>
+          </a:p>
+          <a:p>
+            <a:endParaRPr lang="en-US" sz="1200" kern="1200" dirty="0" smtClean="0">
+              <a:solidFill>
+                <a:schemeClr val="tx1"/>
+              </a:solidFill>
+              <a:effectLst/>
+              <a:latin typeface="+mn-lt"/>
+              <a:ea typeface="+mn-ea"/>
+              <a:cs typeface="+mn-cs"/>
+            </a:endParaRPr>
+          </a:p>
+          <a:p>
+            <a:r>
+              <a:rPr lang="en-US" sz="1200" u="sng" kern="1200" dirty="0" smtClean="0">
+                <a:solidFill>
+                  <a:schemeClr val="tx1"/>
+                </a:solidFill>
+                <a:effectLst/>
+                <a:latin typeface="+mn-lt"/>
+                <a:ea typeface="+mn-ea"/>
+                <a:cs typeface="+mn-cs"/>
+              </a:rPr>
+              <a:t>rec@bu.edu</a:t>
+            </a:r>
+            <a:r>
+              <a:rPr lang="en-US" sz="1200" kern="1200" dirty="0" smtClean="0">
+                <a:solidFill>
+                  <a:schemeClr val="tx1"/>
+                </a:solidFill>
+                <a:effectLst/>
+                <a:latin typeface="+mn-lt"/>
+                <a:ea typeface="+mn-ea"/>
+                <a:cs typeface="+mn-cs"/>
+              </a:rPr>
+              <a:t>.</a:t>
+            </a:r>
+          </a:p>
+          <a:p>
+            <a:endParaRPr lang="en-US" dirty="0"/>
+          </a:p>
+        </p:txBody>
+      </p:sp>
+      <p:sp>
+        <p:nvSpPr>
+          <p:cNvPr id="4" name="Slide Number Placeholder 3"/>
+          <p:cNvSpPr>
+            <a:spLocks noGrp="1"/>
+          </p:cNvSpPr>
+          <p:nvPr>
+            <p:ph type="sldNum" sz="quarter" idx="10"/>
+          </p:nvPr>
+        </p:nvSpPr>
+        <p:spPr/>
+        <p:txBody>
+          <a:bodyPr/>
+          <a:lstStyle/>
+          <a:p>
+            <a:fld id="{9B26CD33-4337-4529-948A-94F6960B2374}" type="slidenum">
+              <a:rPr lang="en-US" smtClean="0"/>
+              <a:pPr/>
+              <a:t>7</a:t>
             </a:fld>
             <a:endParaRPr lang="en-US" dirty="0"/>
           </a:p>
@@ -9959,64 +10136,6 @@
           <a:chExt cx="0" cy="0"/>
         </a:xfrm>
       </p:grpSpPr>
-      <p:sp>
-        <p:nvSpPr>
-          <p:cNvPr id="17" name="Rectangle 16"/>
-          <p:cNvSpPr>
-            <a:spLocks noGrp="1"/>
-          </p:cNvSpPr>
-          <p:nvPr>
-            <p:ph type="body" sz="quarter" idx="10"/>
-          </p:nvPr>
-        </p:nvSpPr>
-        <p:spPr/>
-        <p:txBody>
-          <a:bodyPr/>
-          <a:lstStyle/>
-          <a:p>
-            <a:r>
-              <a:rPr lang="en-US" dirty="0" smtClean="0">
-                <a:latin typeface="Arial" pitchFamily="34" charset="0"/>
-                <a:cs typeface="Arial" pitchFamily="34" charset="0"/>
-              </a:rPr>
-              <a:t>Ryszard Kilarski</a:t>
-            </a:r>
-            <a:endParaRPr lang="en-US" dirty="0">
-              <a:latin typeface="Arial" pitchFamily="34" charset="0"/>
-              <a:cs typeface="Arial" pitchFamily="34" charset="0"/>
-            </a:endParaRPr>
-          </a:p>
-        </p:txBody>
-      </p:sp>
-      <p:sp>
-        <p:nvSpPr>
-          <p:cNvPr id="7" name="Title 6"/>
-          <p:cNvSpPr>
-            <a:spLocks noGrp="1"/>
-          </p:cNvSpPr>
-          <p:nvPr>
-            <p:ph type="title"/>
-          </p:nvPr>
-        </p:nvSpPr>
-        <p:spPr/>
-        <p:txBody>
-          <a:bodyPr/>
-          <a:lstStyle/>
-          <a:p>
-            <a:r>
-              <a:rPr lang="en-US" dirty="0" err="1" smtClean="0">
-                <a:latin typeface="Arial" pitchFamily="34" charset="0"/>
-                <a:cs typeface="Arial" pitchFamily="34" charset="0"/>
-              </a:rPr>
-              <a:t>WalkAbout</a:t>
-            </a:r>
-            <a:endParaRPr lang="en-US" dirty="0">
-              <a:latin typeface="Arial" pitchFamily="34" charset="0"/>
-              <a:cs typeface="Arial" pitchFamily="34" charset="0"/>
-            </a:endParaRPr>
-          </a:p>
-        </p:txBody>
-      </p:sp>
       <p:pic>
         <p:nvPicPr>
           <p:cNvPr id="3" name="Picture Placeholder 2"/>
@@ -10062,6 +10181,86 @@
           </a:effectLst>
         </p:spPr>
       </p:pic>
+      <p:sp>
+        <p:nvSpPr>
+          <p:cNvPr id="17" name="Rectangle 16"/>
+          <p:cNvSpPr>
+            <a:spLocks noGrp="1"/>
+          </p:cNvSpPr>
+          <p:nvPr>
+            <p:ph type="body" sz="quarter" idx="10"/>
+          </p:nvPr>
+        </p:nvSpPr>
+        <p:spPr/>
+        <p:txBody>
+          <a:bodyPr/>
+          <a:lstStyle/>
+          <a:p>
+            <a:r>
+              <a:rPr lang="en-US" dirty="0" smtClean="0">
+                <a:latin typeface="Arial" pitchFamily="34" charset="0"/>
+                <a:cs typeface="Arial" pitchFamily="34" charset="0"/>
+              </a:rPr>
+              <a:t>Ryszard </a:t>
+            </a:r>
+            <a:r>
+              <a:rPr lang="en-US" dirty="0" smtClean="0">
+                <a:latin typeface="Arial" pitchFamily="34" charset="0"/>
+                <a:cs typeface="Arial" pitchFamily="34" charset="0"/>
+              </a:rPr>
+              <a:t>Kilarski</a:t>
+            </a:r>
+          </a:p>
+          <a:p>
+            <a:r>
+              <a:rPr lang="en-US" dirty="0" smtClean="0">
+                <a:latin typeface="Arial" pitchFamily="34" charset="0"/>
+                <a:cs typeface="Arial" pitchFamily="34" charset="0"/>
+              </a:rPr>
+              <a:t>emrys@bu.edu</a:t>
+            </a:r>
+            <a:endParaRPr lang="en-US" dirty="0">
+              <a:latin typeface="Arial" pitchFamily="34" charset="0"/>
+              <a:cs typeface="Arial" pitchFamily="34" charset="0"/>
+            </a:endParaRPr>
+          </a:p>
+          <a:p>
+            <a:endParaRPr lang="en-US" dirty="0">
+              <a:latin typeface="Arial" pitchFamily="34" charset="0"/>
+              <a:cs typeface="Arial" pitchFamily="34" charset="0"/>
+            </a:endParaRPr>
+          </a:p>
+        </p:txBody>
+      </p:sp>
+      <p:sp>
+        <p:nvSpPr>
+          <p:cNvPr id="7" name="Title 6"/>
+          <p:cNvSpPr>
+            <a:spLocks noGrp="1"/>
+          </p:cNvSpPr>
+          <p:nvPr>
+            <p:ph type="title"/>
+          </p:nvPr>
+        </p:nvSpPr>
+        <p:spPr/>
+        <p:txBody>
+          <a:bodyPr/>
+          <a:lstStyle/>
+          <a:p>
+            <a:r>
+              <a:rPr lang="en-US" dirty="0" err="1" smtClean="0">
+                <a:latin typeface="Arial" pitchFamily="34" charset="0"/>
+                <a:cs typeface="Arial" pitchFamily="34" charset="0"/>
+              </a:rPr>
+              <a:t>WalkAbout</a:t>
+            </a:r>
+            <a:endParaRPr lang="en-US" dirty="0">
+              <a:latin typeface="Arial" pitchFamily="34" charset="0"/>
+              <a:cs typeface="Arial" pitchFamily="34" charset="0"/>
+            </a:endParaRPr>
+          </a:p>
+        </p:txBody>
+      </p:sp>
     </p:spTree>
   </p:cSld>
   <p:clrMapOvr>
@@ -10097,84 +10296,186 @@
           <a:chExt cx="0" cy="0"/>
         </a:xfrm>
       </p:grpSpPr>
+      <p:sp>
+        <p:nvSpPr>
+          <p:cNvPr id="5" name="Text Placeholder 4"/>
+          <p:cNvSpPr>
+            <a:spLocks noGrp="1"/>
+          </p:cNvSpPr>
+          <p:nvPr>
+            <p:ph type="body" sz="quarter" idx="11"/>
+          </p:nvPr>
+        </p:nvSpPr>
+        <p:spPr/>
+        <p:txBody>
+          <a:bodyPr/>
+          <a:lstStyle/>
+          <a:p>
+            <a:r>
+              <a:rPr lang="en-US" b="1" dirty="0" smtClean="0">
+                <a:latin typeface="Arial" pitchFamily="34" charset="0"/>
+                <a:cs typeface="Arial" pitchFamily="34" charset="0"/>
+              </a:rPr>
+              <a:t>What is </a:t>
+            </a:r>
+            <a:r>
+              <a:rPr lang="en-US" b="1" dirty="0" err="1" smtClean="0">
+                <a:latin typeface="Arial" pitchFamily="34" charset="0"/>
+                <a:cs typeface="Arial" pitchFamily="34" charset="0"/>
+              </a:rPr>
+              <a:t>WalkAbout</a:t>
+            </a:r>
+            <a:r>
+              <a:rPr lang="en-US" b="1" dirty="0" smtClean="0">
+                <a:latin typeface="Arial" pitchFamily="34" charset="0"/>
+                <a:cs typeface="Arial" pitchFamily="34" charset="0"/>
+              </a:rPr>
+              <a:t>?</a:t>
+            </a:r>
+          </a:p>
+          <a:p>
+            <a:r>
+              <a:rPr lang="en-US" dirty="0" smtClean="0">
+                <a:latin typeface="Arial" pitchFamily="34" charset="0"/>
+                <a:cs typeface="Arial" pitchFamily="34" charset="0"/>
+              </a:rPr>
+              <a:t>Application that allows for</a:t>
+            </a:r>
+          </a:p>
+          <a:p>
+            <a:pPr marL="285750" indent="-285750">
+              <a:buFont typeface="Arial" pitchFamily="34" charset="0"/>
+              <a:buChar char="•"/>
+            </a:pPr>
+            <a:r>
+              <a:rPr lang="en-US" dirty="0" smtClean="0">
+                <a:latin typeface="Arial" pitchFamily="34" charset="0"/>
+                <a:cs typeface="Arial" pitchFamily="34" charset="0"/>
+              </a:rPr>
+              <a:t>Photo Organization</a:t>
+            </a:r>
+          </a:p>
+          <a:p>
+            <a:pPr marL="285750" indent="-285750">
+              <a:buFont typeface="Arial" pitchFamily="34" charset="0"/>
+              <a:buChar char="•"/>
+            </a:pPr>
+            <a:r>
+              <a:rPr lang="en-US" dirty="0" smtClean="0">
+                <a:latin typeface="Arial" pitchFamily="34" charset="0"/>
+                <a:cs typeface="Arial" pitchFamily="34" charset="0"/>
+              </a:rPr>
+              <a:t>Photo Mapping</a:t>
+            </a:r>
+          </a:p>
+          <a:p>
+            <a:endParaRPr lang="en-US" dirty="0" smtClean="0">
+              <a:latin typeface="Arial" pitchFamily="34" charset="0"/>
+              <a:cs typeface="Arial" pitchFamily="34" charset="0"/>
+            </a:endParaRPr>
+          </a:p>
+          <a:p>
+            <a:r>
+              <a:rPr lang="en-US" b="1" dirty="0" smtClean="0">
+                <a:latin typeface="Arial" pitchFamily="34" charset="0"/>
+                <a:cs typeface="Arial" pitchFamily="34" charset="0"/>
+              </a:rPr>
+              <a:t>Who is it for?</a:t>
+            </a:r>
+          </a:p>
+          <a:p>
+            <a:r>
+              <a:rPr lang="en-US" dirty="0" smtClean="0">
+                <a:latin typeface="Arial" pitchFamily="34" charset="0"/>
+                <a:cs typeface="Arial" pitchFamily="34" charset="0"/>
+              </a:rPr>
+              <a:t>Photographers who like organizing their photos by area (waypoints) and like to see the results on a map.</a:t>
+            </a:r>
+          </a:p>
+          <a:p>
+            <a:endParaRPr lang="en-US" dirty="0">
+              <a:latin typeface="Arial" pitchFamily="34" charset="0"/>
+              <a:cs typeface="Arial" pitchFamily="34" charset="0"/>
+            </a:endParaRPr>
+          </a:p>
+        </p:txBody>
+      </p:sp>
       <p:pic>
         <p:nvPicPr>
-          <p:cNvPr id="4" name="j0390471.jpg"/>
+          <p:cNvPr id="3075" name="Picture 3"/>
           <p:cNvPicPr>
-            <a:picLocks noGrp="1" noChangeAspect="1"/>
+            <a:picLocks noChangeAspect="1" noChangeArrowheads="1"/>
           </p:cNvPicPr>
-          <p:nvPr>
-            <p:ph type="pic" sz="quarter" idx="10"/>
-          </p:nvPr>
+          <p:nvPr/>
         </p:nvPicPr>
         <p:blipFill>
-          <a:blip r:embed="rId3" cstate="print"/>
+          <a:blip r:embed="rId3">
+            <a:extLst>
+              <a:ext uri="{28A0092B-C50C-407E-A947-70E740481C1C}">
+                <a14:useLocalDpi xmlns:a14="http://schemas.microsoft.com/office/drawing/2010/main" val="0"/>
+              </a:ext>
+            </a:extLst>
+          </a:blip>
+          <a:srcRect/>
           <a:stretch>
             <a:fillRect/>
           </a:stretch>
         </p:blipFill>
-        <p:spPr>
+        <p:spPr bwMode="auto">
           <a:xfrm>
-            <a:off x="419100" y="381000"/>
-            <a:ext cx="4640263" cy="6172200"/>
+            <a:off x="838200" y="484574"/>
+            <a:ext cx="2855572" cy="4773226"/>
           </a:xfrm>
           <a:prstGeom prst="rect">
             <a:avLst/>
           </a:prstGeom>
-          <a:noFill/>
-          <a:ln w="38100" cap="sq" cmpd="sng" algn="ctr">
-            <a:solidFill>
-              <a:schemeClr val="tx1"/>
-            </a:solidFill>
-            <a:prstDash val="solid"/>
-            <a:miter lim="800000"/>
+          <a:ln>
+            <a:noFill/>
           </a:ln>
           <a:effectLst>
-            <a:outerShdw blurRad="50800" dist="50800" dir="2700000" algn="tl" rotWithShape="0">
-              <a:srgbClr val="000000">
-                <a:alpha val="50000"/>
-              </a:srgbClr>
-            </a:outerShdw>
+            <a:reflection blurRad="12700" stA="30000" endPos="30000" dist="5000" dir="5400000" sy="-100000" algn="bl" rotWithShape="0"/>
           </a:effectLst>
+          <a:scene3d>
+            <a:camera prst="perspectiveContrastingLeftFacing">
+              <a:rot lat="300000" lon="19800000" rev="0"/>
+            </a:camera>
+            <a:lightRig rig="threePt" dir="t">
+              <a:rot lat="0" lon="0" rev="2700000"/>
+            </a:lightRig>
+          </a:scene3d>
+          <a:sp3d>
+            <a:bevelT w="63500" h="50800"/>
+          </a:sp3d>
+          <a:extLst>
+            <a:ext uri="{909E8E84-426E-40DD-AFC4-6F175D3DCCD1}">
+              <a14:hiddenFill xmlns:a14="http://schemas.microsoft.com/office/drawing/2010/main">
+                <a:solidFill>
+                  <a:schemeClr val="accent1"/>
+                </a:solidFill>
+              </a14:hiddenFill>
+            </a:ext>
+            <a:ext uri="{91240B29-F687-4F45-9708-019B960494DF}">
+              <a14:hiddenLine xmlns:a14="http://schemas.microsoft.com/office/drawing/2010/main" w="9525">
+                <a:solidFill>
+                  <a:schemeClr val="tx1"/>
+                </a:solidFill>
+                <a:miter lim="800000"/>
+                <a:headEnd/>
+                <a:tailEnd/>
+              </a14:hiddenLine>
+            </a:ext>
+            <a:ext uri="{AF507438-7753-43E0-B8FC-AC1667EBCBE1}">
+              <a14:hiddenEffects xmlns:a14="http://schemas.microsoft.com/office/drawing/2010/main">
+                <a:effectLst>
+                  <a:outerShdw dist="35921" dir="2700000" algn="ctr" rotWithShape="0">
+                    <a:schemeClr val="bg2"/>
+                  </a:outerShdw>
+                </a:effectLst>
+              </a14:hiddenEffects>
+            </a:ext>
+          </a:extLst>
         </p:spPr>
       </p:pic>
-      <p:sp>
-        <p:nvSpPr>
-          <p:cNvPr id="5" name="Text Placeholder 4"/>
-          <p:cNvSpPr>
-            <a:spLocks noGrp="1"/>
-          </p:cNvSpPr>
-          <p:nvPr>
-            <p:ph type="body" sz="quarter" idx="11"/>
-          </p:nvPr>
-        </p:nvSpPr>
-        <p:spPr/>
-        <p:txBody>
-          <a:bodyPr/>
-          <a:lstStyle/>
-          <a:p>
-            <a:r>
-              <a:rPr lang="en-US" dirty="0" smtClean="0">
-                <a:latin typeface="Arial" pitchFamily="34" charset="0"/>
-                <a:cs typeface="Arial" pitchFamily="34" charset="0"/>
-              </a:rPr>
-              <a:t>Project Description, Problem Statement</a:t>
-            </a:r>
-          </a:p>
-          <a:p>
-            <a:endParaRPr lang="en-US" dirty="0">
-              <a:latin typeface="Arial" pitchFamily="34" charset="0"/>
-              <a:cs typeface="Arial" pitchFamily="34" charset="0"/>
-            </a:endParaRPr>
-          </a:p>
-          <a:p>
-            <a:endParaRPr lang="en-US" dirty="0">
-              <a:latin typeface="Arial" pitchFamily="34" charset="0"/>
-              <a:cs typeface="Arial" pitchFamily="34" charset="0"/>
-            </a:endParaRPr>
-          </a:p>
-        </p:txBody>
-      </p:sp>
     </p:spTree>
   </p:cSld>
   <p:clrMapOvr>
@@ -10210,57 +10511,6 @@
           <a:chExt cx="0" cy="0"/>
         </a:xfrm>
       </p:grpSpPr>
-      <p:sp>
-        <p:nvSpPr>
-          <p:cNvPr id="3" name="Rectangle 2"/>
-          <p:cNvSpPr>
-            <a:spLocks noGrp="1"/>
-          </p:cNvSpPr>
-          <p:nvPr>
-            <p:ph type="body" sz="quarter" idx="14"/>
-          </p:nvPr>
-        </p:nvSpPr>
-        <p:spPr/>
-        <p:txBody>
-          <a:bodyPr/>
-          <a:lstStyle>
-            <a:extLst/>
-          </a:lstStyle>
-          <a:p>
-            <a:pPr marL="0" indent="0"/>
-            <a:endParaRPr lang="en-US" dirty="0"/>
-          </a:p>
-        </p:txBody>
-      </p:sp>
-      <p:sp>
-        <p:nvSpPr>
-          <p:cNvPr id="10" name="Title 9"/>
-          <p:cNvSpPr>
-            <a:spLocks noGrp="1"/>
-          </p:cNvSpPr>
-          <p:nvPr>
-            <p:ph type="title"/>
-          </p:nvPr>
-        </p:nvSpPr>
-        <p:spPr/>
-        <p:txBody>
-          <a:bodyPr/>
-          <a:lstStyle/>
-          <a:p>
-            <a:r>
-              <a:rPr lang="en-US" dirty="0" smtClean="0">
-                <a:latin typeface="Arial" pitchFamily="34" charset="0"/>
-                <a:cs typeface="Arial" pitchFamily="34" charset="0"/>
-              </a:rPr>
-              <a:t>Demonstration</a:t>
-            </a:r>
-            <a:endParaRPr lang="en-US" dirty="0">
-              <a:latin typeface="Arial" pitchFamily="34" charset="0"/>
-              <a:cs typeface="Arial" pitchFamily="34" charset="0"/>
-            </a:endParaRPr>
-          </a:p>
-        </p:txBody>
-      </p:sp>
       <p:pic>
         <p:nvPicPr>
           <p:cNvPr id="11" name="Picture 10"/>
@@ -10275,7 +10525,7 @@
         </p:blipFill>
         <p:spPr>
           <a:xfrm>
-            <a:off x="3352800" y="381000"/>
+            <a:off x="3352800" y="380556"/>
             <a:ext cx="2571750" cy="3867468"/>
           </a:xfrm>
           <a:prstGeom prst="roundRect">
@@ -10345,7 +10595,7 @@
         </p:blipFill>
         <p:spPr>
           <a:xfrm>
-            <a:off x="6324600" y="400312"/>
+            <a:off x="6324600" y="380556"/>
             <a:ext cx="2569464" cy="3867912"/>
           </a:xfrm>
           <a:prstGeom prst="roundRect">
@@ -10366,6 +10616,117 @@
           </a:effectLst>
         </p:spPr>
       </p:pic>
+      <p:sp>
+        <p:nvSpPr>
+          <p:cNvPr id="3" name="Rectangle 2"/>
+          <p:cNvSpPr>
+            <a:spLocks noGrp="1"/>
+          </p:cNvSpPr>
+          <p:nvPr>
+            <p:ph type="body" sz="quarter" idx="14"/>
+          </p:nvPr>
+        </p:nvSpPr>
+        <p:spPr/>
+        <p:txBody>
+          <a:bodyPr>
+            <a:normAutofit fontScale="70000" lnSpcReduction="20000"/>
+          </a:bodyPr>
+          <a:lstStyle>
+            <a:extLst/>
+          </a:lstStyle>
+          <a:p>
+            <a:pPr marL="0" indent="0"/>
+            <a:r>
+              <a:rPr lang="en-US" dirty="0" smtClean="0">
+                <a:latin typeface="Arial" pitchFamily="34" charset="0"/>
+                <a:cs typeface="Arial" pitchFamily="34" charset="0"/>
+              </a:rPr>
+              <a:t>Adding and editing Waypoints</a:t>
+            </a:r>
+          </a:p>
+          <a:p>
+            <a:pPr marL="0" indent="0"/>
+            <a:r>
+              <a:rPr lang="en-US" dirty="0" smtClean="0">
+                <a:latin typeface="Arial" pitchFamily="34" charset="0"/>
+                <a:cs typeface="Arial" pitchFamily="34" charset="0"/>
+              </a:rPr>
+              <a:t>Taking Photos and moving them between Waypoints</a:t>
+            </a:r>
+          </a:p>
+          <a:p>
+            <a:pPr marL="0" indent="0"/>
+            <a:r>
+              <a:rPr lang="en-US" dirty="0" smtClean="0">
+                <a:latin typeface="Arial" pitchFamily="34" charset="0"/>
+                <a:cs typeface="Arial" pitchFamily="34" charset="0"/>
+              </a:rPr>
+              <a:t>Deleting </a:t>
+            </a:r>
+            <a:r>
+              <a:rPr lang="en-US" dirty="0" smtClean="0">
+                <a:latin typeface="Arial" pitchFamily="34" charset="0"/>
+                <a:cs typeface="Arial" pitchFamily="34" charset="0"/>
+              </a:rPr>
+              <a:t>Photos </a:t>
+            </a:r>
+            <a:r>
+              <a:rPr lang="en-US" smtClean="0">
+                <a:latin typeface="Arial" pitchFamily="34" charset="0"/>
+                <a:cs typeface="Arial" pitchFamily="34" charset="0"/>
+              </a:rPr>
+              <a:t>and Waypoints</a:t>
+            </a:r>
+            <a:endParaRPr lang="en-US" dirty="0" smtClean="0">
+              <a:latin typeface="Arial" pitchFamily="34" charset="0"/>
+              <a:cs typeface="Arial" pitchFamily="34" charset="0"/>
+            </a:endParaRPr>
+          </a:p>
+          <a:p>
+            <a:pPr marL="0" indent="0"/>
+            <a:r>
+              <a:rPr lang="en-US" dirty="0" smtClean="0">
+                <a:latin typeface="Arial" pitchFamily="34" charset="0"/>
+                <a:cs typeface="Arial" pitchFamily="34" charset="0"/>
+              </a:rPr>
+              <a:t>Mapping Photos</a:t>
+            </a:r>
+            <a:endParaRPr lang="en-US" dirty="0">
+              <a:latin typeface="Arial" pitchFamily="34" charset="0"/>
+              <a:cs typeface="Arial" pitchFamily="34" charset="0"/>
+            </a:endParaRPr>
+          </a:p>
+        </p:txBody>
+      </p:sp>
+      <p:sp>
+        <p:nvSpPr>
+          <p:cNvPr id="10" name="Title 9"/>
+          <p:cNvSpPr>
+            <a:spLocks noGrp="1"/>
+          </p:cNvSpPr>
+          <p:nvPr>
+            <p:ph type="title"/>
+          </p:nvPr>
+        </p:nvSpPr>
+        <p:spPr/>
+        <p:txBody>
+          <a:bodyPr/>
+          <a:lstStyle/>
+          <a:p>
+            <a:r>
+              <a:rPr lang="en-US" dirty="0" smtClean="0">
+                <a:latin typeface="Arial" pitchFamily="34" charset="0"/>
+                <a:cs typeface="Arial" pitchFamily="34" charset="0"/>
+              </a:rPr>
+              <a:t>Demonstration</a:t>
+            </a:r>
+            <a:endParaRPr lang="en-US" dirty="0">
+              <a:latin typeface="Arial" pitchFamily="34" charset="0"/>
+              <a:cs typeface="Arial" pitchFamily="34" charset="0"/>
+            </a:endParaRPr>
+          </a:p>
+        </p:txBody>
+      </p:sp>
     </p:spTree>
   </p:cSld>
   <p:clrMapOvr>
@@ -10394,96 +10755,146 @@
           <a:chExt cx="0" cy="0"/>
         </a:xfrm>
       </p:grpSpPr>
+      <p:sp>
+        <p:nvSpPr>
+          <p:cNvPr id="3" name="W¥ل云玗İαЂÕØÚáÛ丫:Téxt Plàçèhòlðêr 表¥鷗字㌍_W 2"/>
+          <p:cNvSpPr>
+            <a:spLocks noGrp="1"/>
+          </p:cNvSpPr>
+          <p:nvPr>
+            <p:ph type="body" sz="quarter" idx="11"/>
+          </p:nvPr>
+        </p:nvSpPr>
+        <p:spPr/>
+        <p:txBody>
+          <a:bodyPr/>
+          <a:lstStyle>
+            <a:extLst/>
+          </a:lstStyle>
+          <a:p>
+            <a:r>
+              <a:rPr lang="en-US" b="1" dirty="0" smtClean="0">
+                <a:latin typeface="Arial" pitchFamily="34" charset="0"/>
+                <a:cs typeface="Arial" pitchFamily="34" charset="0"/>
+              </a:rPr>
+              <a:t>What Went Right</a:t>
+            </a:r>
+          </a:p>
+          <a:p>
+            <a:endParaRPr lang="en-US" dirty="0">
+              <a:latin typeface="Arial" pitchFamily="34" charset="0"/>
+              <a:cs typeface="Arial" pitchFamily="34" charset="0"/>
+            </a:endParaRPr>
+          </a:p>
+          <a:p>
+            <a:r>
+              <a:rPr lang="en-US" dirty="0" smtClean="0">
+                <a:latin typeface="Arial" pitchFamily="34" charset="0"/>
+                <a:cs typeface="Arial" pitchFamily="34" charset="0"/>
+              </a:rPr>
+              <a:t>User Interface </a:t>
+            </a:r>
+            <a:r>
+              <a:rPr lang="en-US" dirty="0" smtClean="0">
+                <a:latin typeface="Arial" pitchFamily="34" charset="0"/>
+                <a:cs typeface="Arial" pitchFamily="34" charset="0"/>
+              </a:rPr>
+              <a:t>Design</a:t>
+            </a:r>
+          </a:p>
+          <a:p>
+            <a:endParaRPr lang="en-US" dirty="0" smtClean="0">
+              <a:latin typeface="Arial" pitchFamily="34" charset="0"/>
+              <a:cs typeface="Arial" pitchFamily="34" charset="0"/>
+            </a:endParaRPr>
+          </a:p>
+          <a:p>
+            <a:r>
+              <a:rPr lang="en-US" dirty="0" smtClean="0">
+                <a:latin typeface="Arial" pitchFamily="34" charset="0"/>
+                <a:cs typeface="Arial" pitchFamily="34" charset="0"/>
+              </a:rPr>
+              <a:t>Android Intents and available applications</a:t>
+            </a:r>
+          </a:p>
+        </p:txBody>
+      </p:sp>
       <p:pic>
         <p:nvPicPr>
-          <p:cNvPr id="4" name="Rectangle 3"/>
+          <p:cNvPr id="2050" name="Picture 2"/>
           <p:cNvPicPr>
-            <a:picLocks noGrp="1" noChangeAspect="1"/>
+            <a:picLocks noChangeAspect="1" noChangeArrowheads="1"/>
           </p:cNvPicPr>
-          <p:nvPr>
-            <p:ph type="pic" sz="quarter" idx="10"/>
-          </p:nvPr>
+          <p:nvPr/>
         </p:nvPicPr>
         <p:blipFill>
-          <a:blip r:embed="rId3" cstate="print">
-            <a:lum bright="20000" contrast="10000"/>
+          <a:blip r:embed="rId3">
+            <a:extLst>
+              <a:ext uri="{28A0092B-C50C-407E-A947-70E740481C1C}">
+                <a14:useLocalDpi xmlns:a14="http://schemas.microsoft.com/office/drawing/2010/main" val="0"/>
+              </a:ext>
+            </a:extLst>
           </a:blip>
+          <a:srcRect/>
           <a:stretch>
             <a:fillRect/>
           </a:stretch>
         </p:blipFill>
-        <p:spPr>
+        <p:spPr bwMode="auto">
           <a:xfrm>
-            <a:off x="304800" y="304800"/>
-            <a:ext cx="4645152" cy="6172200"/>
+            <a:off x="885825" y="676275"/>
+            <a:ext cx="3305175" cy="5495925"/>
           </a:xfrm>
           <a:prstGeom prst="rect">
             <a:avLst/>
           </a:prstGeom>
-          <a:noFill/>
-          <a:ln w="76200" cap="sq" cmpd="sng" algn="ctr">
-            <a:solidFill>
-              <a:schemeClr val="tx1"/>
-            </a:solidFill>
-            <a:prstDash val="solid"/>
-            <a:miter lim="800000"/>
+          <a:ln>
+            <a:noFill/>
           </a:ln>
-          <a:effectLst/>
+          <a:effectLst>
+            <a:reflection blurRad="12700" stA="30000" endPos="30000" dist="5000" dir="5400000" sy="-100000" algn="bl" rotWithShape="0"/>
+          </a:effectLst>
+          <a:scene3d>
+            <a:camera prst="perspectiveContrastingLeftFacing">
+              <a:rot lat="300000" lon="19800000" rev="0"/>
+            </a:camera>
+            <a:lightRig rig="threePt" dir="t">
+              <a:rot lat="0" lon="0" rev="2700000"/>
+            </a:lightRig>
+          </a:scene3d>
+          <a:sp3d>
+            <a:bevelT w="63500" h="50800"/>
+          </a:sp3d>
+          <a:extLst>
+            <a:ext uri="{909E8E84-426E-40DD-AFC4-6F175D3DCCD1}">
+              <a14:hiddenFill xmlns:a14="http://schemas.microsoft.com/office/drawing/2010/main">
+                <a:solidFill>
+                  <a:schemeClr val="accent1"/>
+                </a:solidFill>
+              </a14:hiddenFill>
+            </a:ext>
+            <a:ext uri="{91240B29-F687-4F45-9708-019B960494DF}">
+              <a14:hiddenLine xmlns:a14="http://schemas.microsoft.com/office/drawing/2010/main" w="9525">
+                <a:solidFill>
+                  <a:schemeClr val="tx1"/>
+                </a:solidFill>
+                <a:miter lim="800000"/>
+                <a:headEnd/>
+                <a:tailEnd/>
+              </a14:hiddenLine>
+            </a:ext>
+            <a:ext uri="{AF507438-7753-43E0-B8FC-AC1667EBCBE1}">
+              <a14:hiddenEffects xmlns:a14="http://schemas.microsoft.com/office/drawing/2010/main">
+                <a:effectLst>
+                  <a:outerShdw dist="35921" dir="2700000" algn="ctr" rotWithShape="0">
+                    <a:schemeClr val="bg2"/>
+                  </a:outerShdw>
+                </a:effectLst>
+              </a14:hiddenEffects>
+            </a:ext>
+          </a:extLst>
         </p:spPr>
       </p:pic>
-      <p:sp>
-        <p:nvSpPr>
-          <p:cNvPr id="3" name="W¥ل云玗İαЂÕØÚáÛ丫:Téxt Plàçèhòlðêr 表¥鷗字㌍_W 2"/>
-          <p:cNvSpPr>
-            <a:spLocks noGrp="1"/>
-          </p:cNvSpPr>
-          <p:nvPr>
-            <p:ph type="body" sz="quarter" idx="11"/>
-          </p:nvPr>
-        </p:nvSpPr>
-        <p:spPr/>
-        <p:txBody>
-          <a:bodyPr/>
-          <a:lstStyle>
-            <a:extLst/>
-          </a:lstStyle>
-          <a:p>
-            <a:r>
-              <a:rPr lang="en-US" dirty="0" smtClean="0">
-                <a:latin typeface="Arial" pitchFamily="34" charset="0"/>
-                <a:cs typeface="Arial" pitchFamily="34" charset="0"/>
-              </a:rPr>
-              <a:t>What Went Right</a:t>
-            </a:r>
-          </a:p>
-          <a:p>
-            <a:endParaRPr lang="en-US" dirty="0">
-              <a:latin typeface="Arial" pitchFamily="34" charset="0"/>
-              <a:cs typeface="Arial" pitchFamily="34" charset="0"/>
-            </a:endParaRPr>
-          </a:p>
-          <a:p>
-            <a:r>
-              <a:rPr lang="en-US" dirty="0" smtClean="0">
-                <a:latin typeface="Arial" pitchFamily="34" charset="0"/>
-                <a:cs typeface="Arial" pitchFamily="34" charset="0"/>
-              </a:rPr>
-              <a:t>User </a:t>
-            </a:r>
-            <a:r>
-              <a:rPr lang="en-US" smtClean="0">
-                <a:latin typeface="Arial" pitchFamily="34" charset="0"/>
-                <a:cs typeface="Arial" pitchFamily="34" charset="0"/>
-              </a:rPr>
-              <a:t>Interface Design</a:t>
-            </a:r>
-            <a:endParaRPr lang="en-US" dirty="0" smtClean="0">
-              <a:latin typeface="Arial" pitchFamily="34" charset="0"/>
-              <a:cs typeface="Arial" pitchFamily="34" charset="0"/>
-            </a:endParaRPr>
-          </a:p>
-        </p:txBody>
-      </p:sp>
     </p:spTree>
   </p:cSld>
   <p:clrMapOvr>
@@ -10519,43 +10930,6 @@
           <a:chExt cx="0" cy="0"/>
         </a:xfrm>
       </p:grpSpPr>
-      <p:pic>
-        <p:nvPicPr>
-          <p:cNvPr id="4" name="Rectangle 3"/>
-          <p:cNvPicPr>
-            <a:picLocks noGrp="1" noChangeAspect="1"/>
-          </p:cNvPicPr>
-          <p:nvPr>
-            <p:ph type="pic" sz="quarter" idx="10"/>
-          </p:nvPr>
-        </p:nvPicPr>
-        <p:blipFill>
-          <a:blip r:embed="rId3" cstate="print">
-            <a:lum bright="20000" contrast="10000"/>
-          </a:blip>
-          <a:stretch>
-            <a:fillRect/>
-          </a:stretch>
-        </p:blipFill>
-        <p:spPr>
-          <a:xfrm>
-            <a:off x="4191000" y="304800"/>
-            <a:ext cx="4645152" cy="6172200"/>
-          </a:xfrm>
-          <a:prstGeom prst="rect">
-            <a:avLst/>
-          </a:prstGeom>
-          <a:noFill/>
-          <a:ln w="76200" cap="sq" cmpd="sng" algn="ctr">
-            <a:solidFill>
-              <a:schemeClr val="tx1"/>
-            </a:solidFill>
-            <a:prstDash val="solid"/>
-            <a:miter lim="800000"/>
-          </a:ln>
-          <a:effectLst/>
-        </p:spPr>
-      </p:pic>
       <p:sp>
         <p:nvSpPr>
           <p:cNvPr id="3" name="W¥ل云玗İαЂÕØÚáÛ丫:Téxt Plàçèhòlðêr 表¥鷗字㌍_W 2"/>
@@ -10579,34 +10953,130 @@
           </a:lstStyle>
           <a:p>
             <a:r>
+              <a:rPr lang="en-US" b="1" dirty="0" smtClean="0">
+                <a:latin typeface="Arial" pitchFamily="34" charset="0"/>
+                <a:cs typeface="Arial" pitchFamily="34" charset="0"/>
+              </a:rPr>
+              <a:t>What Went Wrong</a:t>
+            </a:r>
+          </a:p>
+          <a:p>
+            <a:endParaRPr lang="en-US" dirty="0">
+              <a:latin typeface="Arial" pitchFamily="34" charset="0"/>
+              <a:cs typeface="Arial" pitchFamily="34" charset="0"/>
+            </a:endParaRPr>
+          </a:p>
+          <a:p>
+            <a:r>
               <a:rPr lang="en-US" dirty="0" smtClean="0">
                 <a:latin typeface="Arial" pitchFamily="34" charset="0"/>
                 <a:cs typeface="Arial" pitchFamily="34" charset="0"/>
               </a:rPr>
-              <a:t>What Went Wrong</a:t>
-            </a:r>
-          </a:p>
-          <a:p>
+              <a:t>Maps </a:t>
+            </a:r>
+            <a:r>
+              <a:rPr lang="en-US" dirty="0" smtClean="0">
+                <a:latin typeface="Arial" pitchFamily="34" charset="0"/>
+                <a:cs typeface="Arial" pitchFamily="34" charset="0"/>
+              </a:rPr>
+              <a:t>Integration</a:t>
+            </a:r>
+          </a:p>
+          <a:p>
+            <a:endParaRPr lang="en-US" dirty="0" smtClean="0">
+              <a:latin typeface="Arial" pitchFamily="34" charset="0"/>
+              <a:cs typeface="Arial" pitchFamily="34" charset="0"/>
+            </a:endParaRPr>
+          </a:p>
+          <a:p>
+            <a:r>
+              <a:rPr lang="en-US" dirty="0" smtClean="0">
+                <a:latin typeface="Arial" pitchFamily="34" charset="0"/>
+                <a:cs typeface="Arial" pitchFamily="34" charset="0"/>
+              </a:rPr>
+              <a:t>Not having an Android Device</a:t>
+            </a:r>
             <a:endParaRPr lang="en-US" dirty="0">
               <a:latin typeface="Arial" pitchFamily="34" charset="0"/>
               <a:cs typeface="Arial" pitchFamily="34" charset="0"/>
             </a:endParaRPr>
           </a:p>
-          <a:p>
-            <a:r>
-              <a:rPr lang="en-US" dirty="0" smtClean="0">
-                <a:latin typeface="Arial" pitchFamily="34" charset="0"/>
-                <a:cs typeface="Arial" pitchFamily="34" charset="0"/>
-              </a:rPr>
-              <a:t>Maps Integration</a:t>
-            </a:r>
-            <a:endParaRPr lang="en-US" dirty="0">
-              <a:latin typeface="Arial" pitchFamily="34" charset="0"/>
-              <a:cs typeface="Arial" pitchFamily="34" charset="0"/>
-            </a:endParaRPr>
-          </a:p>
-        </p:txBody>
-      </p:sp>
+        </p:txBody>
+      </p:sp>
+      <p:pic>
+        <p:nvPicPr>
+          <p:cNvPr id="1026" name="Picture 2"/>
+          <p:cNvPicPr>
+            <a:picLocks noChangeAspect="1" noChangeArrowheads="1"/>
+          </p:cNvPicPr>
+          <p:nvPr/>
+        </p:nvPicPr>
+        <p:blipFill>
+          <a:blip r:embed="rId3">
+            <a:extLst>
+              <a:ext uri="{28A0092B-C50C-407E-A947-70E740481C1C}">
+                <a14:useLocalDpi xmlns:a14="http://schemas.microsoft.com/office/drawing/2010/main" val="0"/>
+              </a:ext>
+            </a:extLst>
+          </a:blip>
+          <a:srcRect/>
+          <a:stretch>
+            <a:fillRect/>
+          </a:stretch>
+        </p:blipFill>
+        <p:spPr bwMode="auto">
+          <a:xfrm>
+            <a:off x="5029200" y="237067"/>
+            <a:ext cx="3305175" cy="5495925"/>
+          </a:xfrm>
+          <a:prstGeom prst="roundRect">
+            <a:avLst>
+              <a:gd name="adj" fmla="val 16667"/>
+            </a:avLst>
+          </a:prstGeom>
+          <a:ln>
+            <a:noFill/>
+          </a:ln>
+          <a:effectLst>
+            <a:outerShdw blurRad="152400" dist="12000" dir="900000" sy="98000" kx="110000" ky="200000" algn="tl" rotWithShape="0">
+              <a:srgbClr val="000000">
+                <a:alpha val="30000"/>
+              </a:srgbClr>
+            </a:outerShdw>
+          </a:effectLst>
+          <a:scene3d>
+            <a:camera prst="perspectiveRelaxed">
+              <a:rot lat="19800000" lon="1200000" rev="20820000"/>
+            </a:camera>
+            <a:lightRig rig="threePt" dir="t"/>
+          </a:scene3d>
+          <a:sp3d contourW="6350" prstMaterial="matte">
+            <a:bevelT w="101600" h="101600"/>
+            <a:contourClr>
+              <a:srgbClr val="969696"/>
+            </a:contourClr>
+          </a:sp3d>
+          <a:extLst>
+            <a:ext uri="{909E8E84-426E-40DD-AFC4-6F175D3DCCD1}">
+              <a14:hiddenFill xmlns:a14="http://schemas.microsoft.com/office/drawing/2010/main">
+                <a:solidFill>
+                  <a:schemeClr val="accent1"/>
+                </a:solidFill>
+              </a14:hiddenFill>
+            </a:ext>
+            <a:ext uri="{91240B29-F687-4F45-9708-019B960494DF}">
+              <a14:hiddenLine xmlns:a14="http://schemas.microsoft.com/office/drawing/2010/main" w="9525">
+                <a:solidFill>
+                  <a:schemeClr val="tx1"/>
+                </a:solidFill>
+                <a:miter lim="800000"/>
+                <a:headEnd/>
+                <a:tailEnd/>
+              </a14:hiddenLine>
+            </a:ext>
+          </a:extLst>
+        </p:spPr>
+      </p:pic>
     </p:spTree>
     <p:extLst>
       <p:ext uri="{BB962C8B-B14F-4D97-AF65-F5344CB8AC3E}">
@@ -10647,76 +11117,411 @@
           <a:chExt cx="0" cy="0"/>
         </a:xfrm>
       </p:grpSpPr>
+      <p:sp>
+        <p:nvSpPr>
+          <p:cNvPr id="11" name="W¥ل云玗İαЂÕØÚáÛ丫:Téxt Plàçèhòlðêr 表¥鷗字㌍_W 10"/>
+          <p:cNvSpPr>
+            <a:spLocks noGrp="1"/>
+          </p:cNvSpPr>
+          <p:nvPr>
+            <p:ph type="body" sz="quarter" idx="13"/>
+          </p:nvPr>
+        </p:nvSpPr>
+        <p:spPr>
+          <a:xfrm>
+            <a:off x="228600" y="4419600"/>
+            <a:ext cx="8610600" cy="2209800"/>
+          </a:xfrm>
+        </p:spPr>
+        <p:txBody>
+          <a:bodyPr/>
+          <a:lstStyle>
+            <a:extLst/>
+          </a:lstStyle>
+          <a:p>
+            <a:r>
+              <a:rPr lang="en-US" sz="1800" dirty="0" smtClean="0">
+                <a:latin typeface="Arial" pitchFamily="34" charset="0"/>
+                <a:cs typeface="Arial" pitchFamily="34" charset="0"/>
+              </a:rPr>
+              <a:t>Key Items Learned</a:t>
+            </a:r>
+          </a:p>
+          <a:p>
+            <a:endParaRPr lang="en-US" dirty="0" smtClean="0">
+              <a:latin typeface="Arial" pitchFamily="34" charset="0"/>
+              <a:cs typeface="Arial" pitchFamily="34" charset="0"/>
+            </a:endParaRPr>
+          </a:p>
+          <a:p>
+            <a:r>
+              <a:rPr lang="en-US" dirty="0" smtClean="0">
+                <a:latin typeface="Arial" pitchFamily="34" charset="0"/>
+                <a:cs typeface="Arial" pitchFamily="34" charset="0"/>
+              </a:rPr>
+              <a:t>Easier to develop than equivalent iPhone applications (though the Android Development Toolkit for Eclipse is a bit wonky).</a:t>
+            </a:r>
+          </a:p>
+          <a:p>
+            <a:r>
+              <a:rPr lang="en-US" dirty="0" smtClean="0">
+                <a:latin typeface="Arial" pitchFamily="34" charset="0"/>
+                <a:cs typeface="Arial" pitchFamily="34" charset="0"/>
+              </a:rPr>
+              <a:t>Some parts are not as mature as they should be, but Android is changing FAST.</a:t>
+            </a:r>
+          </a:p>
+          <a:p>
+            <a:r>
+              <a:rPr lang="en-US" dirty="0" smtClean="0">
+                <a:latin typeface="Arial" pitchFamily="34" charset="0"/>
+                <a:cs typeface="Arial" pitchFamily="34" charset="0"/>
+              </a:rPr>
+              <a:t>Built from the ground-up for modularity, reuse, and connectivity.</a:t>
+            </a:r>
+            <a:endParaRPr lang="en-US" dirty="0">
+              <a:latin typeface="Arial" pitchFamily="34" charset="0"/>
+              <a:cs typeface="Arial" pitchFamily="34" charset="0"/>
+            </a:endParaRPr>
+          </a:p>
+        </p:txBody>
+      </p:sp>
       <p:pic>
         <p:nvPicPr>
-          <p:cNvPr id="10" name="Octagon 9"/>
+          <p:cNvPr id="1026" name="Picture 2"/>
+          <p:cNvPicPr>
+            <a:picLocks noChangeAspect="1" noChangeArrowheads="1"/>
+          </p:cNvPicPr>
+          <p:nvPr/>
+        </p:nvPicPr>
+        <p:blipFill>
+          <a:blip r:embed="rId3">
+            <a:extLst>
+              <a:ext uri="{28A0092B-C50C-407E-A947-70E740481C1C}">
+                <a14:useLocalDpi xmlns:a14="http://schemas.microsoft.com/office/drawing/2010/main" val="0"/>
+              </a:ext>
+            </a:extLst>
+          </a:blip>
+          <a:srcRect/>
+          <a:stretch>
+            <a:fillRect/>
+          </a:stretch>
+        </p:blipFill>
+        <p:spPr bwMode="auto">
+          <a:xfrm>
+            <a:off x="6248400" y="990600"/>
+            <a:ext cx="2438400" cy="3667125"/>
+          </a:xfrm>
+          <a:prstGeom prst="roundRect">
+            <a:avLst>
+              <a:gd name="adj" fmla="val 8594"/>
+            </a:avLst>
+          </a:prstGeom>
+          <a:solidFill>
+            <a:srgbClr val="FFFFFF">
+              <a:shade val="85000"/>
+            </a:srgbClr>
+          </a:solidFill>
+          <a:ln>
+            <a:noFill/>
+          </a:ln>
+          <a:effectLst>
+            <a:reflection blurRad="12700" stA="38000" endPos="28000" dist="5000" dir="5400000" sy="-100000" algn="bl" rotWithShape="0"/>
+          </a:effectLst>
+          <a:extLst>
+            <a:ext uri="{909E8E84-426E-40DD-AFC4-6F175D3DCCD1}">
+              <a14:hiddenFill xmlns:a14="http://schemas.microsoft.com/office/drawing/2010/main">
+                <a:solidFill>
+                  <a:schemeClr val="accent1"/>
+                </a:solidFill>
+              </a14:hiddenFill>
+            </a:ext>
+            <a:ext uri="{91240B29-F687-4F45-9708-019B960494DF}">
+              <a14:hiddenLine xmlns:a14="http://schemas.microsoft.com/office/drawing/2010/main" w="9525">
+                <a:solidFill>
+                  <a:schemeClr val="tx1"/>
+                </a:solidFill>
+                <a:miter lim="800000"/>
+                <a:headEnd/>
+                <a:tailEnd/>
+              </a14:hiddenLine>
+            </a:ext>
+            <a:ext uri="{AF507438-7753-43E0-B8FC-AC1667EBCBE1}">
+              <a14:hiddenEffects xmlns:a14="http://schemas.microsoft.com/office/drawing/2010/main">
+                <a:effectLst>
+                  <a:outerShdw dist="35921" dir="2700000" algn="ctr" rotWithShape="0">
+                    <a:schemeClr val="bg2"/>
+                  </a:outerShdw>
+                </a:effectLst>
+              </a14:hiddenEffects>
+            </a:ext>
+          </a:extLst>
+        </p:spPr>
+      </p:pic>
+      <p:pic>
+        <p:nvPicPr>
+          <p:cNvPr id="1029" name="Picture 5"/>
+          <p:cNvPicPr>
+            <a:picLocks noChangeAspect="1" noChangeArrowheads="1"/>
+          </p:cNvPicPr>
+          <p:nvPr/>
+        </p:nvPicPr>
+        <p:blipFill>
+          <a:blip r:embed="rId4">
+            <a:extLst>
+              <a:ext uri="{28A0092B-C50C-407E-A947-70E740481C1C}">
+                <a14:useLocalDpi xmlns:a14="http://schemas.microsoft.com/office/drawing/2010/main" val="0"/>
+              </a:ext>
+            </a:extLst>
+          </a:blip>
+          <a:srcRect/>
+          <a:stretch>
+            <a:fillRect/>
+          </a:stretch>
+        </p:blipFill>
+        <p:spPr bwMode="auto">
+          <a:xfrm>
+            <a:off x="1295400" y="152400"/>
+            <a:ext cx="6781800" cy="657225"/>
+          </a:xfrm>
+          <a:prstGeom prst="round2DiagRect">
+            <a:avLst>
+              <a:gd name="adj1" fmla="val 16667"/>
+              <a:gd name="adj2" fmla="val 0"/>
+            </a:avLst>
+          </a:prstGeom>
+          <a:ln w="88900" cap="sq">
+            <a:solidFill>
+              <a:srgbClr val="FFFFFF"/>
+            </a:solidFill>
+            <a:miter lim="800000"/>
+          </a:ln>
+          <a:effectLst>
+            <a:outerShdw blurRad="254000" algn="tl" rotWithShape="0">
+              <a:srgbClr val="000000">
+                <a:alpha val="43000"/>
+              </a:srgbClr>
+            </a:outerShdw>
+          </a:effectLst>
+          <a:extLst>
+            <a:ext uri="{909E8E84-426E-40DD-AFC4-6F175D3DCCD1}">
+              <a14:hiddenFill xmlns:a14="http://schemas.microsoft.com/office/drawing/2010/main">
+                <a:solidFill>
+                  <a:schemeClr val="accent1"/>
+                </a:solidFill>
+              </a14:hiddenFill>
+            </a:ext>
+            <a:ext uri="{91240B29-F687-4F45-9708-019B960494DF}">
+              <a14:hiddenLine xmlns:a14="http://schemas.microsoft.com/office/drawing/2010/main" w="9525">
+                <a:solidFill>
+                  <a:schemeClr val="tx1"/>
+                </a:solidFill>
+                <a:miter lim="800000"/>
+                <a:headEnd/>
+                <a:tailEnd/>
+              </a14:hiddenLine>
+            </a:ext>
+            <a:ext uri="{AF507438-7753-43E0-B8FC-AC1667EBCBE1}">
+              <a14:hiddenEffects xmlns:a14="http://schemas.microsoft.com/office/drawing/2010/main">
+                <a:effectLst>
+                  <a:outerShdw dist="35921" dir="2700000" algn="ctr" rotWithShape="0">
+                    <a:schemeClr val="bg2"/>
+                  </a:outerShdw>
+                </a:effectLst>
+              </a14:hiddenEffects>
+            </a:ext>
+          </a:extLst>
+        </p:spPr>
+      </p:pic>
+      <p:pic>
+        <p:nvPicPr>
+          <p:cNvPr id="1027" name="Picture 3"/>
+          <p:cNvPicPr>
+            <a:picLocks noChangeAspect="1" noChangeArrowheads="1"/>
+          </p:cNvPicPr>
+          <p:nvPr/>
+        </p:nvPicPr>
+        <p:blipFill>
+          <a:blip r:embed="rId5">
+            <a:extLst>
+              <a:ext uri="{28A0092B-C50C-407E-A947-70E740481C1C}">
+                <a14:useLocalDpi xmlns:a14="http://schemas.microsoft.com/office/drawing/2010/main" val="0"/>
+              </a:ext>
+            </a:extLst>
+          </a:blip>
+          <a:srcRect/>
+          <a:stretch>
+            <a:fillRect/>
+          </a:stretch>
+        </p:blipFill>
+        <p:spPr bwMode="auto">
+          <a:xfrm>
+            <a:off x="304800" y="990600"/>
+            <a:ext cx="4762500" cy="3209925"/>
+          </a:xfrm>
+          <a:prstGeom prst="roundRect">
+            <a:avLst>
+              <a:gd name="adj" fmla="val 8594"/>
+            </a:avLst>
+          </a:prstGeom>
+          <a:solidFill>
+            <a:srgbClr val="FFFFFF">
+              <a:shade val="85000"/>
+            </a:srgbClr>
+          </a:solidFill>
+          <a:ln>
+            <a:noFill/>
+          </a:ln>
+          <a:effectLst>
+            <a:reflection blurRad="12700" stA="38000" endPos="28000" dist="5000" dir="5400000" sy="-100000" algn="bl" rotWithShape="0"/>
+          </a:effectLst>
+          <a:extLst>
+            <a:ext uri="{909E8E84-426E-40DD-AFC4-6F175D3DCCD1}">
+              <a14:hiddenFill xmlns:a14="http://schemas.microsoft.com/office/drawing/2010/main">
+                <a:solidFill>
+                  <a:schemeClr val="accent1"/>
+                </a:solidFill>
+              </a14:hiddenFill>
+            </a:ext>
+            <a:ext uri="{91240B29-F687-4F45-9708-019B960494DF}">
+              <a14:hiddenLine xmlns:a14="http://schemas.microsoft.com/office/drawing/2010/main" w="9525">
+                <a:solidFill>
+                  <a:schemeClr val="tx1"/>
+                </a:solidFill>
+                <a:miter lim="800000"/>
+                <a:headEnd/>
+                <a:tailEnd/>
+              </a14:hiddenLine>
+            </a:ext>
+            <a:ext uri="{AF507438-7753-43E0-B8FC-AC1667EBCBE1}">
+              <a14:hiddenEffects xmlns:a14="http://schemas.microsoft.com/office/drawing/2010/main">
+                <a:effectLst>
+                  <a:outerShdw dist="35921" dir="2700000" algn="ctr" rotWithShape="0">
+                    <a:schemeClr val="bg2"/>
+                  </a:outerShdw>
+                </a:effectLst>
+              </a14:hiddenEffects>
+            </a:ext>
+          </a:extLst>
+        </p:spPr>
+      </p:pic>
+    </p:spTree>
+  </p:cSld>
+  <p:clrMapOvr>
+    <a:masterClrMapping/>
+  </p:clrMapOvr>
+  <p:transition>
+    <p:fade/>
+  </p:transition>
+  <p:timing>
+    <p:tnLst>
+      <p:par>
+        <p:cTn id="1" dur="indefinite" restart="never" nodeType="tmRoot"/>
+      </p:par>
+    </p:tnLst>
+  </p:timing>
+</p:sld>
+</file>
+
+<file path=ppt/slides/slide7.xml><?xml version="1.0" encoding="utf-8"?>
+<p:sld xmlns:a="http://schemas.openxmlformats.org/drawingml/2006/main" xmlns:r="http://schemas.openxmlformats.org/officeDocument/2006/relationships" xmlns:p="http://schemas.openxmlformats.org/presentationml/2006/main">
+  <p:cSld>
+    <p:spTree>
+      <p:nvGrpSpPr>
+        <p:cNvPr id="1" name=""/>
+        <p:cNvGrpSpPr/>
+        <p:nvPr/>
+      </p:nvGrpSpPr>
+      <p:grpSpPr>
+        <a:xfrm>
+          <a:off x="0" y="0"/>
+          <a:ext cx="0" cy="0"/>
+          <a:chOff x="0" y="0"/>
+          <a:chExt cx="0" cy="0"/>
+        </a:xfrm>
+      </p:grpSpPr>
+      <p:pic>
+        <p:nvPicPr>
+          <p:cNvPr id="3" name="Picture Placeholder 2"/>
           <p:cNvPicPr>
             <a:picLocks noGrp="1" noChangeAspect="1"/>
           </p:cNvPicPr>
           <p:nvPr>
-            <p:ph type="pic" sz="quarter" idx="12"/>
+            <p:ph type="pic" sz="quarter" idx="11"/>
           </p:nvPr>
         </p:nvPicPr>
         <p:blipFill>
-          <a:blip r:embed="rId3" cstate="print"/>
-          <a:srcRect l="12500" r="12500"/>
+          <a:blip r:embed="rId3">
+            <a:extLst>
+              <a:ext uri="{28A0092B-C50C-407E-A947-70E740481C1C}">
+                <a14:useLocalDpi xmlns:a14="http://schemas.microsoft.com/office/drawing/2010/main" val="0"/>
+              </a:ext>
+            </a:extLst>
+          </a:blip>
           <a:stretch>
             <a:fillRect/>
           </a:stretch>
         </p:blipFill>
         <p:spPr>
           <a:xfrm>
-            <a:off x="6172200" y="1066800"/>
-            <a:ext cx="2743200" cy="3657600"/>
+            <a:off x="5943600" y="1676400"/>
+            <a:ext cx="2286000" cy="2286000"/>
           </a:xfrm>
-          <a:prstGeom prst="rect">
-            <a:avLst/>
+          <a:prstGeom prst="roundRect">
+            <a:avLst>
+              <a:gd name="adj" fmla="val 8594"/>
+            </a:avLst>
           </a:prstGeom>
-          <a:noFill/>
-          <a:ln w="19050" cap="rnd" cmpd="sng" algn="ctr">
-            <a:solidFill>
-              <a:schemeClr val="tx1"/>
-            </a:solidFill>
-            <a:prstDash val="solid"/>
-            <a:miter lim="800000"/>
+          <a:solidFill>
+            <a:srgbClr val="FFFFFF">
+              <a:shade val="85000"/>
+            </a:srgbClr>
+          </a:solidFill>
+          <a:ln>
+            <a:noFill/>
           </a:ln>
           <a:effectLst>
-            <a:innerShdw blurRad="50800" dist="50800" dir="13500000">
-              <a:srgbClr val="000000">
-                <a:alpha val="60000"/>
-              </a:srgbClr>
-            </a:innerShdw>
+            <a:reflection blurRad="12700" stA="38000" endPos="28000" dist="5000" dir="5400000" sy="-100000" algn="bl" rotWithShape="0"/>
           </a:effectLst>
         </p:spPr>
       </p:pic>
       <p:sp>
         <p:nvSpPr>
-          <p:cNvPr id="11" name="W¥ل云玗İαЂÕØÚáÛ丫:Téxt Plàçèhòlðêr 表¥鷗字㌍_W 10"/>
-          <p:cNvSpPr>
-            <a:spLocks noGrp="1"/>
-          </p:cNvSpPr>
-          <p:nvPr>
-            <p:ph type="body" sz="quarter" idx="13"/>
-          </p:nvPr>
-        </p:nvSpPr>
-        <p:spPr>
-          <a:xfrm>
-            <a:off x="228600" y="4876800"/>
-            <a:ext cx="8610600" cy="1752600"/>
-          </a:xfrm>
-        </p:spPr>
+          <p:cNvPr id="17" name="Rectangle 16"/>
+          <p:cNvSpPr>
+            <a:spLocks noGrp="1"/>
+          </p:cNvSpPr>
+          <p:nvPr>
+            <p:ph type="body" sz="quarter" idx="10"/>
+          </p:nvPr>
+        </p:nvSpPr>
+        <p:spPr/>
         <p:txBody>
           <a:bodyPr/>
-          <a:lstStyle>
-            <a:extLst/>
-          </a:lstStyle>
-          <a:p>
-            <a:r>
-              <a:rPr lang="en-US" sz="1800" dirty="0" smtClean="0">
+          <a:lstStyle/>
+          <a:p>
+            <a:r>
+              <a:rPr lang="en-US" dirty="0" smtClean="0">
                 <a:latin typeface="Arial" pitchFamily="34" charset="0"/>
                 <a:cs typeface="Arial" pitchFamily="34" charset="0"/>
               </a:rPr>
-              <a:t>Key Items Learned</a:t>
+              <a:t>Ryszard </a:t>
+            </a:r>
+            <a:r>
+              <a:rPr lang="en-US" dirty="0" smtClean="0">
+                <a:latin typeface="Arial" pitchFamily="34" charset="0"/>
+                <a:cs typeface="Arial" pitchFamily="34" charset="0"/>
+              </a:rPr>
+              <a:t>Kilarski</a:t>
+            </a:r>
+          </a:p>
+          <a:p>
+            <a:r>
+              <a:rPr lang="en-US" dirty="0" smtClean="0">
+                <a:latin typeface="Arial" pitchFamily="34" charset="0"/>
+                <a:cs typeface="Arial" pitchFamily="34" charset="0"/>
+              </a:rPr>
+              <a:t>emrys@bu.edu</a:t>
             </a:r>
             <a:endParaRPr lang="en-US" dirty="0">
               <a:latin typeface="Arial" pitchFamily="34" charset="0"/>
@@ -10725,90 +11530,117 @@
           </a:p>
         </p:txBody>
       </p:sp>
+      <p:sp>
+        <p:nvSpPr>
+          <p:cNvPr id="7" name="Title 6"/>
+          <p:cNvSpPr>
+            <a:spLocks noGrp="1"/>
+          </p:cNvSpPr>
+          <p:nvPr>
+            <p:ph type="title"/>
+          </p:nvPr>
+        </p:nvSpPr>
+        <p:spPr/>
+        <p:txBody>
+          <a:bodyPr/>
+          <a:lstStyle/>
+          <a:p>
+            <a:r>
+              <a:rPr lang="en-US" dirty="0" err="1" smtClean="0">
+                <a:latin typeface="Arial" pitchFamily="34" charset="0"/>
+                <a:cs typeface="Arial" pitchFamily="34" charset="0"/>
+              </a:rPr>
+              <a:t>WalkAbout</a:t>
+            </a:r>
+            <a:endParaRPr lang="en-US" dirty="0">
+              <a:latin typeface="Arial" pitchFamily="34" charset="0"/>
+              <a:cs typeface="Arial" pitchFamily="34" charset="0"/>
+            </a:endParaRPr>
+          </a:p>
+        </p:txBody>
+      </p:sp>
       <p:pic>
         <p:nvPicPr>
-          <p:cNvPr id="9" name="mnts-sky.png"/>
+          <p:cNvPr id="5" name="Picture 3"/>
           <p:cNvPicPr>
-            <a:picLocks noGrp="1" noChangeAspect="1"/>
+            <a:picLocks noChangeAspect="1" noChangeArrowheads="1"/>
           </p:cNvPicPr>
-          <p:nvPr>
-            <p:ph type="pic" sz="quarter" idx="10"/>
-          </p:nvPr>
+          <p:nvPr/>
         </p:nvPicPr>
         <p:blipFill>
-          <a:blip r:embed="rId4" cstate="print"/>
+          <a:blip r:embed="rId4">
+            <a:extLst>
+              <a:ext uri="{28A0092B-C50C-407E-A947-70E740481C1C}">
+                <a14:useLocalDpi xmlns:a14="http://schemas.microsoft.com/office/drawing/2010/main" val="0"/>
+              </a:ext>
+            </a:extLst>
+          </a:blip>
           <a:srcRect/>
           <a:stretch>
             <a:fillRect/>
           </a:stretch>
         </p:blipFill>
-        <p:spPr>
+        <p:spPr bwMode="auto">
           <a:xfrm>
-            <a:off x="228600" y="1066800"/>
-            <a:ext cx="2743200" cy="3657600"/>
+            <a:off x="838200" y="484574"/>
+            <a:ext cx="2855572" cy="4773226"/>
           </a:xfrm>
           <a:prstGeom prst="rect">
             <a:avLst/>
           </a:prstGeom>
-          <a:noFill/>
-          <a:ln w="3175" cap="sq" cmpd="sng" algn="ctr">
+          <a:ln>
             <a:noFill/>
-            <a:prstDash val="solid"/>
-            <a:miter lim="800000"/>
           </a:ln>
           <a:effectLst>
-            <a:outerShdw blurRad="50800" dist="50800" dir="2700000" algn="tl" rotWithShape="0">
-              <a:srgbClr val="000000">
-                <a:alpha val="70000"/>
-              </a:srgbClr>
-            </a:outerShdw>
+            <a:reflection blurRad="12700" stA="30000" endPos="30000" dist="5000" dir="5400000" sy="-100000" algn="bl" rotWithShape="0"/>
           </a:effectLst>
-        </p:spPr>
-      </p:pic>
-      <p:pic>
-        <p:nvPicPr>
-          <p:cNvPr id="13" name="trees_j0202227.png"/>
-          <p:cNvPicPr>
-            <a:picLocks noGrp="1" noChangeAspect="1"/>
-          </p:cNvPicPr>
-          <p:nvPr>
-            <p:ph type="pic" sz="quarter" idx="11"/>
-          </p:nvPr>
-        </p:nvPicPr>
-        <p:blipFill>
-          <a:blip r:embed="rId5" cstate="print"/>
-          <a:srcRect/>
-          <a:stretch>
-            <a:fillRect/>
-          </a:stretch>
-        </p:blipFill>
-        <p:spPr>
-          <a:xfrm>
-            <a:off x="3200400" y="1066800"/>
-            <a:ext cx="2743200" cy="3657600"/>
-          </a:xfrm>
-          <a:prstGeom prst="roundRect">
-            <a:avLst>
-              <a:gd name="adj" fmla="val 16667"/>
-            </a:avLst>
-          </a:prstGeom>
-          <a:noFill/>
-          <a:ln w="38100" cap="sq" cmpd="sng" algn="ctr">
-            <a:noFill/>
-            <a:prstDash val="solid"/>
-            <a:miter lim="800000"/>
-          </a:ln>
-          <a:effectLst>
-            <a:outerShdw blurRad="63500" dist="76200" dir="2700000" algn="tl" rotWithShape="0">
-              <a:srgbClr val="000000">
-                <a:alpha val="70000"/>
-              </a:srgbClr>
-            </a:outerShdw>
-            <a:softEdge rad="31750"/>
-          </a:effectLst>
+          <a:scene3d>
+            <a:camera prst="perspectiveContrastingLeftFacing">
+              <a:rot lat="300000" lon="19800000" rev="0"/>
+            </a:camera>
+            <a:lightRig rig="threePt" dir="t">
+              <a:rot lat="0" lon="0" rev="2700000"/>
+            </a:lightRig>
+          </a:scene3d>
+          <a:sp3d>
+            <a:bevelT w="63500" h="50800"/>
+          </a:sp3d>
+          <a:extLst>
+            <a:ext uri="{909E8E84-426E-40DD-AFC4-6F175D3DCCD1}">
+              <a14:hiddenFill xmlns:a14="http://schemas.microsoft.com/office/drawing/2010/main">
+                <a:solidFill>
+                  <a:schemeClr val="accent1"/>
+                </a:solidFill>
+              </a14:hiddenFill>
+            </a:ext>
+            <a:ext uri="{91240B29-F687-4F45-9708-019B960494DF}">
+              <a14:hiddenLine xmlns:a14="http://schemas.microsoft.com/office/drawing/2010/main" w="9525">
+                <a:solidFill>
+                  <a:schemeClr val="tx1"/>
+                </a:solidFill>
+                <a:miter lim="800000"/>
+                <a:headEnd/>
+                <a:tailEnd/>
+              </a14:hiddenLine>
+            </a:ext>
+            <a:ext uri="{AF507438-7753-43E0-B8FC-AC1667EBCBE1}">
+              <a14:hiddenEffects xmlns:a14="http://schemas.microsoft.com/office/drawing/2010/main">
+                <a:effectLst>
+                  <a:outerShdw dist="35921" dir="2700000" algn="ctr" rotWithShape="0">
+                    <a:schemeClr val="bg2"/>
+                  </a:outerShdw>
+                </a:effectLst>
+              </a14:hiddenEffects>
+            </a:ext>
+          </a:extLst>
         </p:spPr>
       </p:pic>
     </p:spTree>
+    <p:extLst>
+      <p:ext uri="{BB962C8B-B14F-4D97-AF65-F5344CB8AC3E}">
+        <p14:creationId xmlns:p14="http://schemas.microsoft.com/office/powerpoint/2010/main" val="804022152"/>
+      </p:ext>
+    </p:extLst>
   </p:cSld>
   <p:clrMapOvr>
     <a:masterClrMapping/>

--- a/WalkAbout/doc/WalkAbout.pptx
+++ b/WalkAbout/doc/WalkAbout.pptx
@@ -202,7 +202,7 @@
             <a:fld id="{68F88C59-319B-4332-9A1D-2A62CFCB00D8}" type="datetimeFigureOut">
               <a:rPr lang="en-US" smtClean="0"/>
               <a:pPr/>
-              <a:t>4/29/2013</a:t>
+              <a:t>4/29/13</a:t>
             </a:fld>
             <a:endParaRPr lang="en-US" dirty="0"/>
           </a:p>
@@ -373,7 +373,7 @@
             <a:fld id="{968B300D-05F0-4B43-940D-46DED5A791AD}" type="datetimeFigureOut">
               <a:rPr lang="en-US" smtClean="0"/>
               <a:pPr/>
-              <a:t>4/29/2013</a:t>
+              <a:t>4/29/13</a:t>
             </a:fld>
             <a:endParaRPr lang="en-US" dirty="0"/>
           </a:p>
@@ -1897,7 +1897,7 @@
                 </a:solidFill>
               </a:rPr>
               <a:pPr/>
-              <a:t>4/29/2013</a:t>
+              <a:t>4/29/13</a:t>
             </a:fld>
             <a:endParaRPr lang="en-US" dirty="0"/>
           </a:p>
@@ -1960,7 +1960,7 @@
   <p:clrMapOvr>
     <a:masterClrMapping/>
   </p:clrMapOvr>
-  <p:transition>
+  <p:transition xmlns:p14="http://schemas.microsoft.com/office/powerpoint/2010/main">
     <p:fade/>
   </p:transition>
 </p:sldLayout>
@@ -2325,7 +2325,7 @@
                 </a:solidFill>
               </a:rPr>
               <a:pPr/>
-              <a:t>4/29/2013</a:t>
+              <a:t>4/29/13</a:t>
             </a:fld>
             <a:endParaRPr lang="en-US" dirty="0"/>
           </a:p>
@@ -2388,7 +2388,7 @@
   <p:clrMapOvr>
     <a:masterClrMapping/>
   </p:clrMapOvr>
-  <p:transition>
+  <p:transition xmlns:p14="http://schemas.microsoft.com/office/powerpoint/2010/main">
     <p:fade/>
   </p:transition>
 </p:sldLayout>
@@ -2696,7 +2696,7 @@
                 </a:solidFill>
               </a:rPr>
               <a:pPr/>
-              <a:t>4/29/2013</a:t>
+              <a:t>4/29/13</a:t>
             </a:fld>
             <a:endParaRPr lang="en-US" dirty="0"/>
           </a:p>
@@ -2759,13 +2759,13 @@
   <p:clrMapOvr>
     <a:masterClrMapping/>
   </p:clrMapOvr>
-  <p:transition>
+  <p:transition xmlns:p14="http://schemas.microsoft.com/office/powerpoint/2010/main">
     <p:fade/>
   </p:transition>
   <p:timing>
     <p:tnLst>
       <p:par>
-        <p:cTn id="1" dur="indefinite" restart="never" nodeType="tmRoot"/>
+        <p:cTn xmlns:p14="http://schemas.microsoft.com/office/powerpoint/2010/main" id="1" dur="indefinite" restart="never" nodeType="tmRoot"/>
       </p:par>
     </p:tnLst>
   </p:timing>
@@ -3301,7 +3301,7 @@
                 </a:solidFill>
               </a:rPr>
               <a:pPr/>
-              <a:t>4/29/2013</a:t>
+              <a:t>4/29/13</a:t>
             </a:fld>
             <a:endParaRPr lang="en-US" dirty="0"/>
           </a:p>
@@ -3364,7 +3364,7 @@
   <p:clrMapOvr>
     <a:masterClrMapping/>
   </p:clrMapOvr>
-  <p:transition>
+  <p:transition xmlns:p14="http://schemas.microsoft.com/office/powerpoint/2010/main">
     <p:fade/>
   </p:transition>
 </p:sldLayout>
@@ -3887,7 +3887,7 @@
                 </a:solidFill>
               </a:rPr>
               <a:pPr/>
-              <a:t>4/29/2013</a:t>
+              <a:t>4/29/13</a:t>
             </a:fld>
             <a:endParaRPr lang="en-US" dirty="0"/>
           </a:p>
@@ -3950,7 +3950,7 @@
   <p:clrMapOvr>
     <a:masterClrMapping/>
   </p:clrMapOvr>
-  <p:transition>
+  <p:transition xmlns:p14="http://schemas.microsoft.com/office/powerpoint/2010/main">
     <p:fade/>
   </p:transition>
 </p:sldLayout>
@@ -4365,7 +4365,7 @@
                 </a:solidFill>
               </a:rPr>
               <a:pPr/>
-              <a:t>4/29/2013</a:t>
+              <a:t>4/29/13</a:t>
             </a:fld>
             <a:endParaRPr lang="en-US" dirty="0"/>
           </a:p>
@@ -4428,7 +4428,7 @@
   <p:clrMapOvr>
     <a:masterClrMapping/>
   </p:clrMapOvr>
-  <p:transition>
+  <p:transition xmlns:p14="http://schemas.microsoft.com/office/powerpoint/2010/main">
     <p:fade/>
   </p:transition>
 </p:sldLayout>
@@ -4807,7 +4807,7 @@
                 </a:solidFill>
               </a:rPr>
               <a:pPr/>
-              <a:t>4/29/2013</a:t>
+              <a:t>4/29/13</a:t>
             </a:fld>
             <a:endParaRPr lang="en-US" dirty="0"/>
           </a:p>
@@ -4870,7 +4870,7 @@
   <p:clrMapOvr>
     <a:masterClrMapping/>
   </p:clrMapOvr>
-  <p:transition>
+  <p:transition xmlns:p14="http://schemas.microsoft.com/office/powerpoint/2010/main">
     <p:fade/>
   </p:transition>
 </p:sldLayout>
@@ -5332,7 +5332,7 @@
                 </a:solidFill>
               </a:rPr>
               <a:pPr/>
-              <a:t>4/29/2013</a:t>
+              <a:t>4/29/13</a:t>
             </a:fld>
             <a:endParaRPr lang="en-US" dirty="0"/>
           </a:p>
@@ -5395,7 +5395,7 @@
   <p:clrMapOvr>
     <a:masterClrMapping/>
   </p:clrMapOvr>
-  <p:transition>
+  <p:transition xmlns:p14="http://schemas.microsoft.com/office/powerpoint/2010/main">
     <p:fade/>
   </p:transition>
 </p:sldLayout>
@@ -5857,7 +5857,7 @@
                 </a:solidFill>
               </a:rPr>
               <a:pPr/>
-              <a:t>4/29/2013</a:t>
+              <a:t>4/29/13</a:t>
             </a:fld>
             <a:endParaRPr lang="en-US" dirty="0"/>
           </a:p>
@@ -5920,7 +5920,7 @@
   <p:clrMapOvr>
     <a:masterClrMapping/>
   </p:clrMapOvr>
-  <p:transition>
+  <p:transition xmlns:p14="http://schemas.microsoft.com/office/powerpoint/2010/main">
     <p:fade/>
   </p:transition>
 </p:sldLayout>
@@ -6086,7 +6086,7 @@
                 </a:solidFill>
               </a:rPr>
               <a:pPr/>
-              <a:t>4/29/2013</a:t>
+              <a:t>4/29/13</a:t>
             </a:fld>
             <a:endParaRPr lang="en-US" dirty="0"/>
           </a:p>
@@ -6149,7 +6149,7 @@
   <p:clrMapOvr>
     <a:masterClrMapping/>
   </p:clrMapOvr>
-  <p:transition>
+  <p:transition xmlns:p14="http://schemas.microsoft.com/office/powerpoint/2010/main">
     <p:fade/>
   </p:transition>
 </p:sldLayout>
@@ -6434,7 +6434,7 @@
                 </a:solidFill>
               </a:rPr>
               <a:pPr/>
-              <a:t>4/29/2013</a:t>
+              <a:t>4/29/13</a:t>
             </a:fld>
             <a:endParaRPr lang="en-US" dirty="0"/>
           </a:p>
@@ -6497,7 +6497,7 @@
   <p:clrMapOvr>
     <a:masterClrMapping/>
   </p:clrMapOvr>
-  <p:transition>
+  <p:transition xmlns:p14="http://schemas.microsoft.com/office/powerpoint/2010/main">
     <p:fade/>
   </p:transition>
 </p:sldLayout>
@@ -6680,7 +6680,7 @@
                 </a:solidFill>
               </a:rPr>
               <a:pPr/>
-              <a:t>4/29/2013</a:t>
+              <a:t>4/29/13</a:t>
             </a:fld>
             <a:endParaRPr lang="en-US" dirty="0"/>
           </a:p>
@@ -6743,7 +6743,7 @@
   <p:clrMapOvr>
     <a:masterClrMapping/>
   </p:clrMapOvr>
-  <p:transition>
+  <p:transition xmlns:p14="http://schemas.microsoft.com/office/powerpoint/2010/main">
     <p:fade/>
   </p:transition>
 </p:sldLayout>
@@ -6909,7 +6909,7 @@
                 </a:solidFill>
               </a:rPr>
               <a:pPr/>
-              <a:t>4/29/2013</a:t>
+              <a:t>4/29/13</a:t>
             </a:fld>
             <a:endParaRPr lang="en-US" dirty="0"/>
           </a:p>
@@ -6972,7 +6972,7 @@
   <p:clrMapOvr>
     <a:masterClrMapping/>
   </p:clrMapOvr>
-  <p:transition>
+  <p:transition xmlns:p14="http://schemas.microsoft.com/office/powerpoint/2010/main">
     <p:fade/>
   </p:transition>
 </p:sldLayout>
@@ -7094,7 +7094,7 @@
             <a:fld id="{ACB2EC6F-6501-4E04-BD6C-A8A6CABB2C5B}" type="datetimeFigureOut">
               <a:rPr lang="en-US" smtClean="0"/>
               <a:pPr/>
-              <a:t>4/29/2013</a:t>
+              <a:t>4/29/13</a:t>
             </a:fld>
             <a:endParaRPr lang="en-US" dirty="0"/>
           </a:p>
@@ -7352,7 +7352,7 @@
                 </a:solidFill>
               </a:rPr>
               <a:pPr/>
-              <a:t>4/29/2013</a:t>
+              <a:t>4/29/13</a:t>
             </a:fld>
             <a:endParaRPr lang="en-US" dirty="0"/>
           </a:p>
@@ -7415,7 +7415,7 @@
   <p:clrMapOvr>
     <a:masterClrMapping/>
   </p:clrMapOvr>
-  <p:transition>
+  <p:transition xmlns:p14="http://schemas.microsoft.com/office/powerpoint/2010/main">
     <p:fade/>
   </p:transition>
 </p:sldLayout>
@@ -7542,7 +7542,7 @@
   <p:clrMapOvr>
     <a:masterClrMapping/>
   </p:clrMapOvr>
-  <p:transition>
+  <p:transition xmlns:p14="http://schemas.microsoft.com/office/powerpoint/2010/main">
     <p:fade/>
   </p:transition>
 </p:sldLayout>
@@ -7847,7 +7847,7 @@
                 </a:solidFill>
               </a:rPr>
               <a:pPr/>
-              <a:t>4/29/2013</a:t>
+              <a:t>4/29/13</a:t>
             </a:fld>
             <a:endParaRPr lang="en-US" dirty="0"/>
           </a:p>
@@ -7910,7 +7910,7 @@
   <p:clrMapOvr>
     <a:masterClrMapping/>
   </p:clrMapOvr>
-  <p:transition>
+  <p:transition xmlns:p14="http://schemas.microsoft.com/office/powerpoint/2010/main">
     <p:fade/>
   </p:transition>
 </p:sldLayout>
@@ -8219,7 +8219,7 @@
                 </a:solidFill>
               </a:rPr>
               <a:pPr/>
-              <a:t>4/29/2013</a:t>
+              <a:t>4/29/13</a:t>
             </a:fld>
             <a:endParaRPr lang="en-US" dirty="0"/>
           </a:p>
@@ -8282,7 +8282,7 @@
   <p:clrMapOvr>
     <a:masterClrMapping/>
   </p:clrMapOvr>
-  <p:transition>
+  <p:transition xmlns:p14="http://schemas.microsoft.com/office/powerpoint/2010/main">
     <p:fade/>
   </p:transition>
 </p:sldLayout>
@@ -8591,7 +8591,7 @@
                 </a:solidFill>
               </a:rPr>
               <a:pPr/>
-              <a:t>4/29/2013</a:t>
+              <a:t>4/29/13</a:t>
             </a:fld>
             <a:endParaRPr lang="en-US" dirty="0"/>
           </a:p>
@@ -8654,7 +8654,7 @@
   <p:clrMapOvr>
     <a:masterClrMapping/>
   </p:clrMapOvr>
-  <p:transition>
+  <p:transition xmlns:p14="http://schemas.microsoft.com/office/powerpoint/2010/main">
     <p:fade/>
   </p:transition>
 </p:sldLayout>
@@ -8923,7 +8923,7 @@
                 </a:solidFill>
               </a:rPr>
               <a:pPr/>
-              <a:t>4/29/2013</a:t>
+              <a:t>4/29/13</a:t>
             </a:fld>
             <a:endParaRPr lang="en-US" dirty="0"/>
           </a:p>
@@ -8986,13 +8986,13 @@
   <p:clrMapOvr>
     <a:masterClrMapping/>
   </p:clrMapOvr>
-  <p:transition>
+  <p:transition xmlns:p14="http://schemas.microsoft.com/office/powerpoint/2010/main">
     <p:fade/>
   </p:transition>
   <p:timing>
     <p:tnLst>
       <p:par>
-        <p:cTn id="1" dur="indefinite" restart="never" nodeType="tmRoot"/>
+        <p:cTn xmlns:p14="http://schemas.microsoft.com/office/powerpoint/2010/main" id="1" dur="indefinite" restart="never" nodeType="tmRoot"/>
       </p:par>
     </p:tnLst>
   </p:timing>
@@ -9445,7 +9445,7 @@
                 </a:solidFill>
               </a:rPr>
               <a:pPr/>
-              <a:t>4/29/2013</a:t>
+              <a:t>4/29/13</a:t>
             </a:fld>
             <a:endParaRPr lang="en-US" dirty="0"/>
           </a:p>
@@ -9508,7 +9508,7 @@
   <p:clrMapOvr>
     <a:masterClrMapping/>
   </p:clrMapOvr>
-  <p:transition>
+  <p:transition xmlns:p14="http://schemas.microsoft.com/office/powerpoint/2010/main">
     <p:fade/>
   </p:transition>
 </p:sldLayout>
@@ -9674,7 +9674,7 @@
                 </a:solidFill>
               </a:rPr>
               <a:pPr/>
-              <a:t>4/29/2013</a:t>
+              <a:t>4/29/13</a:t>
             </a:fld>
             <a:endParaRPr lang="en-US" sz="1200" dirty="0">
               <a:solidFill>
@@ -9802,13 +9802,13 @@
     <p:sldLayoutId id="2147483669" r:id="rId21"/>
     <p:sldLayoutId id="2147483670" r:id="rId22"/>
   </p:sldLayoutIdLst>
-  <p:transition>
+  <p:transition xmlns:p14="http://schemas.microsoft.com/office/powerpoint/2010/main">
     <p:fade/>
   </p:transition>
   <p:timing>
     <p:tnLst>
       <p:par>
-        <p:cTn id="1" dur="indefinite" restart="never" nodeType="tmRoot"/>
+        <p:cTn xmlns:p14="http://schemas.microsoft.com/office/powerpoint/2010/main" id="1" dur="indefinite" restart="never" nodeType="tmRoot"/>
       </p:par>
     </p:tnLst>
   </p:timing>
@@ -10201,14 +10201,7 @@
                 <a:latin typeface="Arial" pitchFamily="34" charset="0"/>
                 <a:cs typeface="Arial" pitchFamily="34" charset="0"/>
               </a:rPr>
-              <a:t>Ryszard </a:t>
-            </a:r>
-            <a:r>
-              <a:rPr lang="en-US" dirty="0" smtClean="0">
-                <a:latin typeface="Arial" pitchFamily="34" charset="0"/>
-                <a:cs typeface="Arial" pitchFamily="34" charset="0"/>
-              </a:rPr>
-              <a:t>Kilarski</a:t>
+              <a:t>Ryszard Kilarski</a:t>
             </a:r>
           </a:p>
           <a:p>
@@ -10261,18 +10254,90 @@
           </a:p>
         </p:txBody>
       </p:sp>
+      <p:pic>
+        <p:nvPicPr>
+          <p:cNvPr id="5" name="Picture 2"/>
+          <p:cNvPicPr>
+            <a:picLocks noChangeAspect="1" noChangeArrowheads="1"/>
+          </p:cNvPicPr>
+          <p:nvPr/>
+        </p:nvPicPr>
+        <p:blipFill>
+          <a:blip r:embed="rId4">
+            <a:extLst>
+              <a:ext uri="{28A0092B-C50C-407E-A947-70E740481C1C}">
+                <a14:useLocalDpi xmlns:a14="http://schemas.microsoft.com/office/drawing/2010/main" val="0"/>
+              </a:ext>
+            </a:extLst>
+          </a:blip>
+          <a:srcRect/>
+          <a:stretch>
+            <a:fillRect/>
+          </a:stretch>
+        </p:blipFill>
+        <p:spPr bwMode="auto">
+          <a:xfrm>
+            <a:off x="885825" y="381000"/>
+            <a:ext cx="3305175" cy="5495925"/>
+          </a:xfrm>
+          <a:prstGeom prst="roundRect">
+            <a:avLst>
+              <a:gd name="adj" fmla="val 8594"/>
+            </a:avLst>
+          </a:prstGeom>
+          <a:solidFill>
+            <a:srgbClr val="FFFFFF">
+              <a:shade val="85000"/>
+            </a:srgbClr>
+          </a:solidFill>
+          <a:ln>
+            <a:noFill/>
+          </a:ln>
+          <a:effectLst>
+            <a:reflection blurRad="12700" stA="38000" endPos="28000" dist="5000" dir="5400000" sy="-100000" algn="bl" rotWithShape="0"/>
+          </a:effectLst>
+          <a:extLst>
+            <a:ext uri="{909E8E84-426E-40dd-AFC4-6F175D3DCCD1}">
+              <a14:hiddenFill xmlns:a14="http://schemas.microsoft.com/office/drawing/2010/main">
+                <a:solidFill>
+                  <a:schemeClr val="accent1"/>
+                </a:solidFill>
+              </a14:hiddenFill>
+            </a:ext>
+            <a:ext uri="{91240B29-F687-4f45-9708-019B960494DF}">
+              <a14:hiddenLine xmlns:a14="http://schemas.microsoft.com/office/drawing/2010/main" w="9525">
+                <a:solidFill>
+                  <a:schemeClr val="tx1"/>
+                </a:solidFill>
+                <a:miter lim="800000"/>
+                <a:headEnd/>
+                <a:tailEnd/>
+              </a14:hiddenLine>
+            </a:ext>
+            <a:ext uri="{AF507438-7753-43e0-B8FC-AC1667EBCBE1}">
+              <a14:hiddenEffects xmlns:a14="http://schemas.microsoft.com/office/drawing/2010/main">
+                <a:effectLst>
+                  <a:outerShdw dist="35921" dir="2700000" algn="ctr" rotWithShape="0">
+                    <a:schemeClr val="bg2"/>
+                  </a:outerShdw>
+                </a:effectLst>
+              </a14:hiddenEffects>
+            </a:ext>
+          </a:extLst>
+        </p:spPr>
+      </p:pic>
     </p:spTree>
   </p:cSld>
   <p:clrMapOvr>
     <a:masterClrMapping/>
   </p:clrMapOvr>
-  <p:transition>
+  <p:transition xmlns:p14="http://schemas.microsoft.com/office/powerpoint/2010/main">
     <p:fade/>
   </p:transition>
   <p:timing>
     <p:tnLst>
       <p:par>
-        <p:cTn id="1" dur="indefinite" restart="never" nodeType="tmRoot"/>
+        <p:cTn xmlns:p14="http://schemas.microsoft.com/office/powerpoint/2010/main" id="1" dur="indefinite" restart="never" nodeType="tmRoot"/>
       </p:par>
     </p:tnLst>
   </p:timing>
@@ -10447,14 +10512,14 @@
             <a:bevelT w="63500" h="50800"/>
           </a:sp3d>
           <a:extLst>
-            <a:ext uri="{909E8E84-426E-40DD-AFC4-6F175D3DCCD1}">
+            <a:ext uri="{909E8E84-426E-40dd-AFC4-6F175D3DCCD1}">
               <a14:hiddenFill xmlns:a14="http://schemas.microsoft.com/office/drawing/2010/main">
                 <a:solidFill>
                   <a:schemeClr val="accent1"/>
                 </a:solidFill>
               </a14:hiddenFill>
             </a:ext>
-            <a:ext uri="{91240B29-F687-4F45-9708-019B960494DF}">
+            <a:ext uri="{91240B29-F687-4f45-9708-019B960494DF}">
               <a14:hiddenLine xmlns:a14="http://schemas.microsoft.com/office/drawing/2010/main" w="9525">
                 <a:solidFill>
                   <a:schemeClr val="tx1"/>
@@ -10464,7 +10529,7 @@
                 <a:tailEnd/>
               </a14:hiddenLine>
             </a:ext>
-            <a:ext uri="{AF507438-7753-43E0-B8FC-AC1667EBCBE1}">
+            <a:ext uri="{AF507438-7753-43e0-B8FC-AC1667EBCBE1}">
               <a14:hiddenEffects xmlns:a14="http://schemas.microsoft.com/office/drawing/2010/main">
                 <a:effectLst>
                   <a:outerShdw dist="35921" dir="2700000" algn="ctr" rotWithShape="0">
@@ -10481,13 +10546,13 @@
   <p:clrMapOvr>
     <a:masterClrMapping/>
   </p:clrMapOvr>
-  <p:transition>
+  <p:transition xmlns:p14="http://schemas.microsoft.com/office/powerpoint/2010/main">
     <p:fade/>
   </p:transition>
   <p:timing>
     <p:tnLst>
       <p:par>
-        <p:cTn id="1" dur="indefinite" restart="never" nodeType="tmRoot"/>
+        <p:cTn xmlns:p14="http://schemas.microsoft.com/office/powerpoint/2010/main" id="1" dur="indefinite" restart="never" nodeType="tmRoot"/>
       </p:par>
     </p:tnLst>
   </p:timing>
@@ -10661,14 +10726,7 @@
                 <a:latin typeface="Arial" pitchFamily="34" charset="0"/>
                 <a:cs typeface="Arial" pitchFamily="34" charset="0"/>
               </a:rPr>
-              <a:t>Deleting </a:t>
-            </a:r>
-            <a:r>
-              <a:rPr lang="en-US" dirty="0" smtClean="0">
-                <a:latin typeface="Arial" pitchFamily="34" charset="0"/>
-                <a:cs typeface="Arial" pitchFamily="34" charset="0"/>
-              </a:rPr>
-              <a:t>Photos </a:t>
+              <a:t>Deleting Photos </a:t>
             </a:r>
             <a:r>
               <a:rPr lang="en-US" smtClean="0">
@@ -10732,7 +10790,7 @@
   <p:clrMapOvr>
     <a:masterClrMapping/>
   </p:clrMapOvr>
-  <p:transition>
+  <p:transition xmlns:p14="http://schemas.microsoft.com/office/powerpoint/2010/main">
     <p:fade/>
   </p:transition>
 </p:sld>
@@ -10792,14 +10850,7 @@
                 <a:latin typeface="Arial" pitchFamily="34" charset="0"/>
                 <a:cs typeface="Arial" pitchFamily="34" charset="0"/>
               </a:rPr>
-              <a:t>User Interface </a:t>
-            </a:r>
-            <a:r>
-              <a:rPr lang="en-US" dirty="0" smtClean="0">
-                <a:latin typeface="Arial" pitchFamily="34" charset="0"/>
-                <a:cs typeface="Arial" pitchFamily="34" charset="0"/>
-              </a:rPr>
-              <a:t>Design</a:t>
+              <a:t>User Interface Design</a:t>
             </a:r>
           </a:p>
           <a:p>
@@ -10866,14 +10917,14 @@
             <a:bevelT w="63500" h="50800"/>
           </a:sp3d>
           <a:extLst>
-            <a:ext uri="{909E8E84-426E-40DD-AFC4-6F175D3DCCD1}">
+            <a:ext uri="{909E8E84-426E-40dd-AFC4-6F175D3DCCD1}">
               <a14:hiddenFill xmlns:a14="http://schemas.microsoft.com/office/drawing/2010/main">
                 <a:solidFill>
                   <a:schemeClr val="accent1"/>
                 </a:solidFill>
               </a14:hiddenFill>
             </a:ext>
-            <a:ext uri="{91240B29-F687-4F45-9708-019B960494DF}">
+            <a:ext uri="{91240B29-F687-4f45-9708-019B960494DF}">
               <a14:hiddenLine xmlns:a14="http://schemas.microsoft.com/office/drawing/2010/main" w="9525">
                 <a:solidFill>
                   <a:schemeClr val="tx1"/>
@@ -10883,7 +10934,7 @@
                 <a:tailEnd/>
               </a14:hiddenLine>
             </a:ext>
-            <a:ext uri="{AF507438-7753-43E0-B8FC-AC1667EBCBE1}">
+            <a:ext uri="{AF507438-7753-43e0-B8FC-AC1667EBCBE1}">
               <a14:hiddenEffects xmlns:a14="http://schemas.microsoft.com/office/drawing/2010/main">
                 <a:effectLst>
                   <a:outerShdw dist="35921" dir="2700000" algn="ctr" rotWithShape="0">
@@ -10900,13 +10951,13 @@
   <p:clrMapOvr>
     <a:masterClrMapping/>
   </p:clrMapOvr>
-  <p:transition>
+  <p:transition xmlns:p14="http://schemas.microsoft.com/office/powerpoint/2010/main">
     <p:fade/>
   </p:transition>
   <p:timing>
     <p:tnLst>
       <p:par>
-        <p:cTn id="1" dur="indefinite" restart="never" nodeType="tmRoot"/>
+        <p:cTn xmlns:p14="http://schemas.microsoft.com/office/powerpoint/2010/main" id="1" dur="indefinite" restart="never" nodeType="tmRoot"/>
       </p:par>
     </p:tnLst>
   </p:timing>
@@ -10972,14 +11023,7 @@
                 <a:latin typeface="Arial" pitchFamily="34" charset="0"/>
                 <a:cs typeface="Arial" pitchFamily="34" charset="0"/>
               </a:rPr>
-              <a:t>Maps </a:t>
-            </a:r>
-            <a:r>
-              <a:rPr lang="en-US" dirty="0" smtClean="0">
-                <a:latin typeface="Arial" pitchFamily="34" charset="0"/>
-                <a:cs typeface="Arial" pitchFamily="34" charset="0"/>
-              </a:rPr>
-              <a:t>Integration</a:t>
+              <a:t>Maps Integration</a:t>
             </a:r>
           </a:p>
           <a:p>
@@ -11057,14 +11101,14 @@
             </a:contourClr>
           </a:sp3d>
           <a:extLst>
-            <a:ext uri="{909E8E84-426E-40DD-AFC4-6F175D3DCCD1}">
+            <a:ext uri="{909E8E84-426E-40dd-AFC4-6F175D3DCCD1}">
               <a14:hiddenFill xmlns:a14="http://schemas.microsoft.com/office/drawing/2010/main">
                 <a:solidFill>
                   <a:schemeClr val="accent1"/>
                 </a:solidFill>
               </a14:hiddenFill>
             </a:ext>
-            <a:ext uri="{91240B29-F687-4F45-9708-019B960494DF}">
+            <a:ext uri="{91240B29-F687-4f45-9708-019B960494DF}">
               <a14:hiddenLine xmlns:a14="http://schemas.microsoft.com/office/drawing/2010/main" w="9525">
                 <a:solidFill>
                   <a:schemeClr val="tx1"/>
@@ -11087,13 +11131,13 @@
   <p:clrMapOvr>
     <a:masterClrMapping/>
   </p:clrMapOvr>
-  <p:transition>
+  <p:transition xmlns:p14="http://schemas.microsoft.com/office/powerpoint/2010/main">
     <p:fade/>
   </p:transition>
   <p:timing>
     <p:tnLst>
       <p:par>
-        <p:cTn id="1" dur="indefinite" restart="never" nodeType="tmRoot"/>
+        <p:cTn xmlns:p14="http://schemas.microsoft.com/office/powerpoint/2010/main" id="1" dur="indefinite" restart="never" nodeType="tmRoot"/>
       </p:par>
     </p:tnLst>
   </p:timing>
@@ -11229,14 +11273,7 @@
             <a:reflection blurRad="12700" stA="38000" endPos="28000" dist="5000" dir="5400000" sy="-100000" algn="bl" rotWithShape="0"/>
           </a:effectLst>
           <a:extLst>
-            <a:ext uri="{909E8E84-426E-40DD-AFC4-6F175D3DCCD1}">
-              <a14:hiddenFill xmlns:a14="http://schemas.microsoft.com/office/drawing/2010/main">
-                <a:solidFill>
-                  <a:schemeClr val="accent1"/>
-                </a:solidFill>
-              </a14:hiddenFill>
-            </a:ext>
-            <a:ext uri="{91240B29-F687-4F45-9708-019B960494DF}">
+            <a:ext uri="{91240B29-F687-4f45-9708-019B960494DF}">
               <a14:hiddenLine xmlns:a14="http://schemas.microsoft.com/office/drawing/2010/main" w="9525">
                 <a:solidFill>
                   <a:schemeClr val="tx1"/>
@@ -11246,7 +11283,7 @@
                 <a:tailEnd/>
               </a14:hiddenLine>
             </a:ext>
-            <a:ext uri="{AF507438-7753-43E0-B8FC-AC1667EBCBE1}">
+            <a:ext uri="{AF507438-7753-43e0-B8FC-AC1667EBCBE1}">
               <a14:hiddenEffects xmlns:a14="http://schemas.microsoft.com/office/drawing/2010/main">
                 <a:effectLst>
                   <a:outerShdw dist="35921" dir="2700000" algn="ctr" rotWithShape="0">
@@ -11304,31 +11341,12 @@
             </a:outerShdw>
           </a:effectLst>
           <a:extLst>
-            <a:ext uri="{909E8E84-426E-40DD-AFC4-6F175D3DCCD1}">
+            <a:ext uri="{909E8E84-426E-40dd-AFC4-6F175D3DCCD1}">
               <a14:hiddenFill xmlns:a14="http://schemas.microsoft.com/office/drawing/2010/main">
                 <a:solidFill>
                   <a:schemeClr val="accent1"/>
                 </a:solidFill>
               </a14:hiddenFill>
-            </a:ext>
-            <a:ext uri="{91240B29-F687-4F45-9708-019B960494DF}">
-              <a14:hiddenLine xmlns:a14="http://schemas.microsoft.com/office/drawing/2010/main" w="9525">
-                <a:solidFill>
-                  <a:schemeClr val="tx1"/>
-                </a:solidFill>
-                <a:miter lim="800000"/>
-                <a:headEnd/>
-                <a:tailEnd/>
-              </a14:hiddenLine>
-            </a:ext>
-            <a:ext uri="{AF507438-7753-43E0-B8FC-AC1667EBCBE1}">
-              <a14:hiddenEffects xmlns:a14="http://schemas.microsoft.com/office/drawing/2010/main">
-                <a:effectLst>
-                  <a:outerShdw dist="35921" dir="2700000" algn="ctr" rotWithShape="0">
-                    <a:schemeClr val="bg2"/>
-                  </a:outerShdw>
-                </a:effectLst>
-              </a14:hiddenEffects>
             </a:ext>
           </a:extLst>
         </p:spPr>
@@ -11376,14 +11394,7 @@
             <a:reflection blurRad="12700" stA="38000" endPos="28000" dist="5000" dir="5400000" sy="-100000" algn="bl" rotWithShape="0"/>
           </a:effectLst>
           <a:extLst>
-            <a:ext uri="{909E8E84-426E-40DD-AFC4-6F175D3DCCD1}">
-              <a14:hiddenFill xmlns:a14="http://schemas.microsoft.com/office/drawing/2010/main">
-                <a:solidFill>
-                  <a:schemeClr val="accent1"/>
-                </a:solidFill>
-              </a14:hiddenFill>
-            </a:ext>
-            <a:ext uri="{91240B29-F687-4F45-9708-019B960494DF}">
+            <a:ext uri="{91240B29-F687-4f45-9708-019B960494DF}">
               <a14:hiddenLine xmlns:a14="http://schemas.microsoft.com/office/drawing/2010/main" w="9525">
                 <a:solidFill>
                   <a:schemeClr val="tx1"/>
@@ -11393,7 +11404,7 @@
                 <a:tailEnd/>
               </a14:hiddenLine>
             </a:ext>
-            <a:ext uri="{AF507438-7753-43E0-B8FC-AC1667EBCBE1}">
+            <a:ext uri="{AF507438-7753-43e0-B8FC-AC1667EBCBE1}">
               <a14:hiddenEffects xmlns:a14="http://schemas.microsoft.com/office/drawing/2010/main">
                 <a:effectLst>
                   <a:outerShdw dist="35921" dir="2700000" algn="ctr" rotWithShape="0">
@@ -11410,13 +11421,13 @@
   <p:clrMapOvr>
     <a:masterClrMapping/>
   </p:clrMapOvr>
-  <p:transition>
+  <p:transition xmlns:p14="http://schemas.microsoft.com/office/powerpoint/2010/main">
     <p:fade/>
   </p:transition>
   <p:timing>
     <p:tnLst>
       <p:par>
-        <p:cTn id="1" dur="indefinite" restart="never" nodeType="tmRoot"/>
+        <p:cTn xmlns:p14="http://schemas.microsoft.com/office/powerpoint/2010/main" id="1" dur="indefinite" restart="never" nodeType="tmRoot"/>
       </p:par>
     </p:tnLst>
   </p:timing>
@@ -11505,14 +11516,7 @@
                 <a:latin typeface="Arial" pitchFamily="34" charset="0"/>
                 <a:cs typeface="Arial" pitchFamily="34" charset="0"/>
               </a:rPr>
-              <a:t>Ryszard </a:t>
-            </a:r>
-            <a:r>
-              <a:rPr lang="en-US" dirty="0" smtClean="0">
-                <a:latin typeface="Arial" pitchFamily="34" charset="0"/>
-                <a:cs typeface="Arial" pitchFamily="34" charset="0"/>
-              </a:rPr>
-              <a:t>Kilarski</a:t>
+              <a:t>Ryszard Kilarski</a:t>
             </a:r>
           </a:p>
           <a:p>
@@ -11606,14 +11610,14 @@
             <a:bevelT w="63500" h="50800"/>
           </a:sp3d>
           <a:extLst>
-            <a:ext uri="{909E8E84-426E-40DD-AFC4-6F175D3DCCD1}">
+            <a:ext uri="{909E8E84-426E-40dd-AFC4-6F175D3DCCD1}">
               <a14:hiddenFill xmlns:a14="http://schemas.microsoft.com/office/drawing/2010/main">
                 <a:solidFill>
                   <a:schemeClr val="accent1"/>
                 </a:solidFill>
               </a14:hiddenFill>
             </a:ext>
-            <a:ext uri="{91240B29-F687-4F45-9708-019B960494DF}">
+            <a:ext uri="{91240B29-F687-4f45-9708-019B960494DF}">
               <a14:hiddenLine xmlns:a14="http://schemas.microsoft.com/office/drawing/2010/main" w="9525">
                 <a:solidFill>
                   <a:schemeClr val="tx1"/>
@@ -11623,7 +11627,7 @@
                 <a:tailEnd/>
               </a14:hiddenLine>
             </a:ext>
-            <a:ext uri="{AF507438-7753-43E0-B8FC-AC1667EBCBE1}">
+            <a:ext uri="{AF507438-7753-43e0-B8FC-AC1667EBCBE1}">
               <a14:hiddenEffects xmlns:a14="http://schemas.microsoft.com/office/drawing/2010/main">
                 <a:effectLst>
                   <a:outerShdw dist="35921" dir="2700000" algn="ctr" rotWithShape="0">
@@ -11645,13 +11649,13 @@
   <p:clrMapOvr>
     <a:masterClrMapping/>
   </p:clrMapOvr>
-  <p:transition>
+  <p:transition xmlns:p14="http://schemas.microsoft.com/office/powerpoint/2010/main">
     <p:fade/>
   </p:transition>
   <p:timing>
     <p:tnLst>
       <p:par>
-        <p:cTn id="1" dur="indefinite" restart="never" nodeType="tmRoot"/>
+        <p:cTn xmlns:p14="http://schemas.microsoft.com/office/powerpoint/2010/main" id="1" dur="indefinite" restart="never" nodeType="tmRoot"/>
       </p:par>
     </p:tnLst>
   </p:timing>

--- a/WalkAbout/doc/WalkAbout.pptx
+++ b/WalkAbout/doc/WalkAbout.pptx
@@ -202,7 +202,7 @@
             <a:fld id="{68F88C59-319B-4332-9A1D-2A62CFCB00D8}" type="datetimeFigureOut">
               <a:rPr lang="en-US" smtClean="0"/>
               <a:pPr/>
-              <a:t>4/29/13</a:t>
+              <a:t>4/30/2013</a:t>
             </a:fld>
             <a:endParaRPr lang="en-US" dirty="0"/>
           </a:p>
@@ -373,7 +373,7 @@
             <a:fld id="{968B300D-05F0-4B43-940D-46DED5A791AD}" type="datetimeFigureOut">
               <a:rPr lang="en-US" smtClean="0"/>
               <a:pPr/>
-              <a:t>4/29/13</a:t>
+              <a:t>4/30/2013</a:t>
             </a:fld>
             <a:endParaRPr lang="en-US" dirty="0"/>
           </a:p>
@@ -1897,7 +1897,7 @@
                 </a:solidFill>
               </a:rPr>
               <a:pPr/>
-              <a:t>4/29/13</a:t>
+              <a:t>4/30/2013</a:t>
             </a:fld>
             <a:endParaRPr lang="en-US" dirty="0"/>
           </a:p>
@@ -1960,7 +1960,7 @@
   <p:clrMapOvr>
     <a:masterClrMapping/>
   </p:clrMapOvr>
-  <p:transition xmlns:p14="http://schemas.microsoft.com/office/powerpoint/2010/main">
+  <p:transition>
     <p:fade/>
   </p:transition>
 </p:sldLayout>
@@ -2325,7 +2325,7 @@
                 </a:solidFill>
               </a:rPr>
               <a:pPr/>
-              <a:t>4/29/13</a:t>
+              <a:t>4/30/2013</a:t>
             </a:fld>
             <a:endParaRPr lang="en-US" dirty="0"/>
           </a:p>
@@ -2388,7 +2388,7 @@
   <p:clrMapOvr>
     <a:masterClrMapping/>
   </p:clrMapOvr>
-  <p:transition xmlns:p14="http://schemas.microsoft.com/office/powerpoint/2010/main">
+  <p:transition>
     <p:fade/>
   </p:transition>
 </p:sldLayout>
@@ -2696,7 +2696,7 @@
                 </a:solidFill>
               </a:rPr>
               <a:pPr/>
-              <a:t>4/29/13</a:t>
+              <a:t>4/30/2013</a:t>
             </a:fld>
             <a:endParaRPr lang="en-US" dirty="0"/>
           </a:p>
@@ -2759,13 +2759,13 @@
   <p:clrMapOvr>
     <a:masterClrMapping/>
   </p:clrMapOvr>
-  <p:transition xmlns:p14="http://schemas.microsoft.com/office/powerpoint/2010/main">
+  <p:transition>
     <p:fade/>
   </p:transition>
   <p:timing>
     <p:tnLst>
       <p:par>
-        <p:cTn xmlns:p14="http://schemas.microsoft.com/office/powerpoint/2010/main" id="1" dur="indefinite" restart="never" nodeType="tmRoot"/>
+        <p:cTn id="1" dur="indefinite" restart="never" nodeType="tmRoot"/>
       </p:par>
     </p:tnLst>
   </p:timing>
@@ -3301,7 +3301,7 @@
                 </a:solidFill>
               </a:rPr>
               <a:pPr/>
-              <a:t>4/29/13</a:t>
+              <a:t>4/30/2013</a:t>
             </a:fld>
             <a:endParaRPr lang="en-US" dirty="0"/>
           </a:p>
@@ -3364,7 +3364,7 @@
   <p:clrMapOvr>
     <a:masterClrMapping/>
   </p:clrMapOvr>
-  <p:transition xmlns:p14="http://schemas.microsoft.com/office/powerpoint/2010/main">
+  <p:transition>
     <p:fade/>
   </p:transition>
 </p:sldLayout>
@@ -3887,7 +3887,7 @@
                 </a:solidFill>
               </a:rPr>
               <a:pPr/>
-              <a:t>4/29/13</a:t>
+              <a:t>4/30/2013</a:t>
             </a:fld>
             <a:endParaRPr lang="en-US" dirty="0"/>
           </a:p>
@@ -3950,7 +3950,7 @@
   <p:clrMapOvr>
     <a:masterClrMapping/>
   </p:clrMapOvr>
-  <p:transition xmlns:p14="http://schemas.microsoft.com/office/powerpoint/2010/main">
+  <p:transition>
     <p:fade/>
   </p:transition>
 </p:sldLayout>
@@ -4365,7 +4365,7 @@
                 </a:solidFill>
               </a:rPr>
               <a:pPr/>
-              <a:t>4/29/13</a:t>
+              <a:t>4/30/2013</a:t>
             </a:fld>
             <a:endParaRPr lang="en-US" dirty="0"/>
           </a:p>
@@ -4428,7 +4428,7 @@
   <p:clrMapOvr>
     <a:masterClrMapping/>
   </p:clrMapOvr>
-  <p:transition xmlns:p14="http://schemas.microsoft.com/office/powerpoint/2010/main">
+  <p:transition>
     <p:fade/>
   </p:transition>
 </p:sldLayout>
@@ -4807,7 +4807,7 @@
                 </a:solidFill>
               </a:rPr>
               <a:pPr/>
-              <a:t>4/29/13</a:t>
+              <a:t>4/30/2013</a:t>
             </a:fld>
             <a:endParaRPr lang="en-US" dirty="0"/>
           </a:p>
@@ -4870,7 +4870,7 @@
   <p:clrMapOvr>
     <a:masterClrMapping/>
   </p:clrMapOvr>
-  <p:transition xmlns:p14="http://schemas.microsoft.com/office/powerpoint/2010/main">
+  <p:transition>
     <p:fade/>
   </p:transition>
 </p:sldLayout>
@@ -5332,7 +5332,7 @@
                 </a:solidFill>
               </a:rPr>
               <a:pPr/>
-              <a:t>4/29/13</a:t>
+              <a:t>4/30/2013</a:t>
             </a:fld>
             <a:endParaRPr lang="en-US" dirty="0"/>
           </a:p>
@@ -5395,7 +5395,7 @@
   <p:clrMapOvr>
     <a:masterClrMapping/>
   </p:clrMapOvr>
-  <p:transition xmlns:p14="http://schemas.microsoft.com/office/powerpoint/2010/main">
+  <p:transition>
     <p:fade/>
   </p:transition>
 </p:sldLayout>
@@ -5857,7 +5857,7 @@
                 </a:solidFill>
               </a:rPr>
               <a:pPr/>
-              <a:t>4/29/13</a:t>
+              <a:t>4/30/2013</a:t>
             </a:fld>
             <a:endParaRPr lang="en-US" dirty="0"/>
           </a:p>
@@ -5920,7 +5920,7 @@
   <p:clrMapOvr>
     <a:masterClrMapping/>
   </p:clrMapOvr>
-  <p:transition xmlns:p14="http://schemas.microsoft.com/office/powerpoint/2010/main">
+  <p:transition>
     <p:fade/>
   </p:transition>
 </p:sldLayout>
@@ -6086,7 +6086,7 @@
                 </a:solidFill>
               </a:rPr>
               <a:pPr/>
-              <a:t>4/29/13</a:t>
+              <a:t>4/30/2013</a:t>
             </a:fld>
             <a:endParaRPr lang="en-US" dirty="0"/>
           </a:p>
@@ -6149,7 +6149,7 @@
   <p:clrMapOvr>
     <a:masterClrMapping/>
   </p:clrMapOvr>
-  <p:transition xmlns:p14="http://schemas.microsoft.com/office/powerpoint/2010/main">
+  <p:transition>
     <p:fade/>
   </p:transition>
 </p:sldLayout>
@@ -6434,7 +6434,7 @@
                 </a:solidFill>
               </a:rPr>
               <a:pPr/>
-              <a:t>4/29/13</a:t>
+              <a:t>4/30/2013</a:t>
             </a:fld>
             <a:endParaRPr lang="en-US" dirty="0"/>
           </a:p>
@@ -6497,7 +6497,7 @@
   <p:clrMapOvr>
     <a:masterClrMapping/>
   </p:clrMapOvr>
-  <p:transition xmlns:p14="http://schemas.microsoft.com/office/powerpoint/2010/main">
+  <p:transition>
     <p:fade/>
   </p:transition>
 </p:sldLayout>
@@ -6680,7 +6680,7 @@
                 </a:solidFill>
               </a:rPr>
               <a:pPr/>
-              <a:t>4/29/13</a:t>
+              <a:t>4/30/2013</a:t>
             </a:fld>
             <a:endParaRPr lang="en-US" dirty="0"/>
           </a:p>
@@ -6743,7 +6743,7 @@
   <p:clrMapOvr>
     <a:masterClrMapping/>
   </p:clrMapOvr>
-  <p:transition xmlns:p14="http://schemas.microsoft.com/office/powerpoint/2010/main">
+  <p:transition>
     <p:fade/>
   </p:transition>
 </p:sldLayout>
@@ -6909,7 +6909,7 @@
                 </a:solidFill>
               </a:rPr>
               <a:pPr/>
-              <a:t>4/29/13</a:t>
+              <a:t>4/30/2013</a:t>
             </a:fld>
             <a:endParaRPr lang="en-US" dirty="0"/>
           </a:p>
@@ -6972,7 +6972,7 @@
   <p:clrMapOvr>
     <a:masterClrMapping/>
   </p:clrMapOvr>
-  <p:transition xmlns:p14="http://schemas.microsoft.com/office/powerpoint/2010/main">
+  <p:transition>
     <p:fade/>
   </p:transition>
 </p:sldLayout>
@@ -7094,7 +7094,7 @@
             <a:fld id="{ACB2EC6F-6501-4E04-BD6C-A8A6CABB2C5B}" type="datetimeFigureOut">
               <a:rPr lang="en-US" smtClean="0"/>
               <a:pPr/>
-              <a:t>4/29/13</a:t>
+              <a:t>4/30/2013</a:t>
             </a:fld>
             <a:endParaRPr lang="en-US" dirty="0"/>
           </a:p>
@@ -7352,7 +7352,7 @@
                 </a:solidFill>
               </a:rPr>
               <a:pPr/>
-              <a:t>4/29/13</a:t>
+              <a:t>4/30/2013</a:t>
             </a:fld>
             <a:endParaRPr lang="en-US" dirty="0"/>
           </a:p>
@@ -7415,7 +7415,7 @@
   <p:clrMapOvr>
     <a:masterClrMapping/>
   </p:clrMapOvr>
-  <p:transition xmlns:p14="http://schemas.microsoft.com/office/powerpoint/2010/main">
+  <p:transition>
     <p:fade/>
   </p:transition>
 </p:sldLayout>
@@ -7542,7 +7542,7 @@
   <p:clrMapOvr>
     <a:masterClrMapping/>
   </p:clrMapOvr>
-  <p:transition xmlns:p14="http://schemas.microsoft.com/office/powerpoint/2010/main">
+  <p:transition>
     <p:fade/>
   </p:transition>
 </p:sldLayout>
@@ -7847,7 +7847,7 @@
                 </a:solidFill>
               </a:rPr>
               <a:pPr/>
-              <a:t>4/29/13</a:t>
+              <a:t>4/30/2013</a:t>
             </a:fld>
             <a:endParaRPr lang="en-US" dirty="0"/>
           </a:p>
@@ -7910,7 +7910,7 @@
   <p:clrMapOvr>
     <a:masterClrMapping/>
   </p:clrMapOvr>
-  <p:transition xmlns:p14="http://schemas.microsoft.com/office/powerpoint/2010/main">
+  <p:transition>
     <p:fade/>
   </p:transition>
 </p:sldLayout>
@@ -8219,7 +8219,7 @@
                 </a:solidFill>
               </a:rPr>
               <a:pPr/>
-              <a:t>4/29/13</a:t>
+              <a:t>4/30/2013</a:t>
             </a:fld>
             <a:endParaRPr lang="en-US" dirty="0"/>
           </a:p>
@@ -8282,7 +8282,7 @@
   <p:clrMapOvr>
     <a:masterClrMapping/>
   </p:clrMapOvr>
-  <p:transition xmlns:p14="http://schemas.microsoft.com/office/powerpoint/2010/main">
+  <p:transition>
     <p:fade/>
   </p:transition>
 </p:sldLayout>
@@ -8591,7 +8591,7 @@
                 </a:solidFill>
               </a:rPr>
               <a:pPr/>
-              <a:t>4/29/13</a:t>
+              <a:t>4/30/2013</a:t>
             </a:fld>
             <a:endParaRPr lang="en-US" dirty="0"/>
           </a:p>
@@ -8654,7 +8654,7 @@
   <p:clrMapOvr>
     <a:masterClrMapping/>
   </p:clrMapOvr>
-  <p:transition xmlns:p14="http://schemas.microsoft.com/office/powerpoint/2010/main">
+  <p:transition>
     <p:fade/>
   </p:transition>
 </p:sldLayout>
@@ -8923,7 +8923,7 @@
                 </a:solidFill>
               </a:rPr>
               <a:pPr/>
-              <a:t>4/29/13</a:t>
+              <a:t>4/30/2013</a:t>
             </a:fld>
             <a:endParaRPr lang="en-US" dirty="0"/>
           </a:p>
@@ -8986,13 +8986,13 @@
   <p:clrMapOvr>
     <a:masterClrMapping/>
   </p:clrMapOvr>
-  <p:transition xmlns:p14="http://schemas.microsoft.com/office/powerpoint/2010/main">
+  <p:transition>
     <p:fade/>
   </p:transition>
   <p:timing>
     <p:tnLst>
       <p:par>
-        <p:cTn xmlns:p14="http://schemas.microsoft.com/office/powerpoint/2010/main" id="1" dur="indefinite" restart="never" nodeType="tmRoot"/>
+        <p:cTn id="1" dur="indefinite" restart="never" nodeType="tmRoot"/>
       </p:par>
     </p:tnLst>
   </p:timing>
@@ -9445,7 +9445,7 @@
                 </a:solidFill>
               </a:rPr>
               <a:pPr/>
-              <a:t>4/29/13</a:t>
+              <a:t>4/30/2013</a:t>
             </a:fld>
             <a:endParaRPr lang="en-US" dirty="0"/>
           </a:p>
@@ -9508,7 +9508,7 @@
   <p:clrMapOvr>
     <a:masterClrMapping/>
   </p:clrMapOvr>
-  <p:transition xmlns:p14="http://schemas.microsoft.com/office/powerpoint/2010/main">
+  <p:transition>
     <p:fade/>
   </p:transition>
 </p:sldLayout>
@@ -9674,7 +9674,7 @@
                 </a:solidFill>
               </a:rPr>
               <a:pPr/>
-              <a:t>4/29/13</a:t>
+              <a:t>4/30/2013</a:t>
             </a:fld>
             <a:endParaRPr lang="en-US" sz="1200" dirty="0">
               <a:solidFill>
@@ -9802,13 +9802,13 @@
     <p:sldLayoutId id="2147483669" r:id="rId21"/>
     <p:sldLayoutId id="2147483670" r:id="rId22"/>
   </p:sldLayoutIdLst>
-  <p:transition xmlns:p14="http://schemas.microsoft.com/office/powerpoint/2010/main">
+  <p:transition>
     <p:fade/>
   </p:transition>
   <p:timing>
     <p:tnLst>
       <p:par>
-        <p:cTn xmlns:p14="http://schemas.microsoft.com/office/powerpoint/2010/main" id="1" dur="indefinite" restart="never" nodeType="tmRoot"/>
+        <p:cTn id="1" dur="indefinite" restart="never" nodeType="tmRoot"/>
       </p:par>
     </p:tnLst>
   </p:timing>
@@ -10297,14 +10297,7 @@
             <a:reflection blurRad="12700" stA="38000" endPos="28000" dist="5000" dir="5400000" sy="-100000" algn="bl" rotWithShape="0"/>
           </a:effectLst>
           <a:extLst>
-            <a:ext uri="{909E8E84-426E-40dd-AFC4-6F175D3DCCD1}">
-              <a14:hiddenFill xmlns:a14="http://schemas.microsoft.com/office/drawing/2010/main">
-                <a:solidFill>
-                  <a:schemeClr val="accent1"/>
-                </a:solidFill>
-              </a14:hiddenFill>
-            </a:ext>
-            <a:ext uri="{91240B29-F687-4f45-9708-019B960494DF}">
+            <a:ext uri="{91240B29-F687-4F45-9708-019B960494DF}">
               <a14:hiddenLine xmlns:a14="http://schemas.microsoft.com/office/drawing/2010/main" w="9525">
                 <a:solidFill>
                   <a:schemeClr val="tx1"/>
@@ -10314,7 +10307,7 @@
                 <a:tailEnd/>
               </a14:hiddenLine>
             </a:ext>
-            <a:ext uri="{AF507438-7753-43e0-B8FC-AC1667EBCBE1}">
+            <a:ext uri="{AF507438-7753-43E0-B8FC-AC1667EBCBE1}">
               <a14:hiddenEffects xmlns:a14="http://schemas.microsoft.com/office/drawing/2010/main">
                 <a:effectLst>
                   <a:outerShdw dist="35921" dir="2700000" algn="ctr" rotWithShape="0">
@@ -10331,13 +10324,13 @@
   <p:clrMapOvr>
     <a:masterClrMapping/>
   </p:clrMapOvr>
-  <p:transition xmlns:p14="http://schemas.microsoft.com/office/powerpoint/2010/main">
+  <p:transition>
     <p:fade/>
   </p:transition>
   <p:timing>
     <p:tnLst>
       <p:par>
-        <p:cTn xmlns:p14="http://schemas.microsoft.com/office/powerpoint/2010/main" id="1" dur="indefinite" restart="never" nodeType="tmRoot"/>
+        <p:cTn id="1" dur="indefinite" restart="never" nodeType="tmRoot"/>
       </p:par>
     </p:tnLst>
   </p:timing>
@@ -10512,14 +10505,14 @@
             <a:bevelT w="63500" h="50800"/>
           </a:sp3d>
           <a:extLst>
-            <a:ext uri="{909E8E84-426E-40dd-AFC4-6F175D3DCCD1}">
+            <a:ext uri="{909E8E84-426E-40DD-AFC4-6F175D3DCCD1}">
               <a14:hiddenFill xmlns:a14="http://schemas.microsoft.com/office/drawing/2010/main">
                 <a:solidFill>
                   <a:schemeClr val="accent1"/>
                 </a:solidFill>
               </a14:hiddenFill>
             </a:ext>
-            <a:ext uri="{91240B29-F687-4f45-9708-019B960494DF}">
+            <a:ext uri="{91240B29-F687-4F45-9708-019B960494DF}">
               <a14:hiddenLine xmlns:a14="http://schemas.microsoft.com/office/drawing/2010/main" w="9525">
                 <a:solidFill>
                   <a:schemeClr val="tx1"/>
@@ -10529,7 +10522,7 @@
                 <a:tailEnd/>
               </a14:hiddenLine>
             </a:ext>
-            <a:ext uri="{AF507438-7753-43e0-B8FC-AC1667EBCBE1}">
+            <a:ext uri="{AF507438-7753-43E0-B8FC-AC1667EBCBE1}">
               <a14:hiddenEffects xmlns:a14="http://schemas.microsoft.com/office/drawing/2010/main">
                 <a:effectLst>
                   <a:outerShdw dist="35921" dir="2700000" algn="ctr" rotWithShape="0">
@@ -10546,13 +10539,13 @@
   <p:clrMapOvr>
     <a:masterClrMapping/>
   </p:clrMapOvr>
-  <p:transition xmlns:p14="http://schemas.microsoft.com/office/powerpoint/2010/main">
+  <p:transition>
     <p:fade/>
   </p:transition>
   <p:timing>
     <p:tnLst>
       <p:par>
-        <p:cTn xmlns:p14="http://schemas.microsoft.com/office/powerpoint/2010/main" id="1" dur="indefinite" restart="never" nodeType="tmRoot"/>
+        <p:cTn id="1" dur="indefinite" restart="never" nodeType="tmRoot"/>
       </p:par>
     </p:tnLst>
   </p:timing>
@@ -10790,7 +10783,7 @@
   <p:clrMapOvr>
     <a:masterClrMapping/>
   </p:clrMapOvr>
-  <p:transition xmlns:p14="http://schemas.microsoft.com/office/powerpoint/2010/main">
+  <p:transition>
     <p:fade/>
   </p:transition>
 </p:sld>
@@ -10917,14 +10910,14 @@
             <a:bevelT w="63500" h="50800"/>
           </a:sp3d>
           <a:extLst>
-            <a:ext uri="{909E8E84-426E-40dd-AFC4-6F175D3DCCD1}">
+            <a:ext uri="{909E8E84-426E-40DD-AFC4-6F175D3DCCD1}">
               <a14:hiddenFill xmlns:a14="http://schemas.microsoft.com/office/drawing/2010/main">
                 <a:solidFill>
                   <a:schemeClr val="accent1"/>
                 </a:solidFill>
               </a14:hiddenFill>
             </a:ext>
-            <a:ext uri="{91240B29-F687-4f45-9708-019B960494DF}">
+            <a:ext uri="{91240B29-F687-4F45-9708-019B960494DF}">
               <a14:hiddenLine xmlns:a14="http://schemas.microsoft.com/office/drawing/2010/main" w="9525">
                 <a:solidFill>
                   <a:schemeClr val="tx1"/>
@@ -10934,7 +10927,7 @@
                 <a:tailEnd/>
               </a14:hiddenLine>
             </a:ext>
-            <a:ext uri="{AF507438-7753-43e0-B8FC-AC1667EBCBE1}">
+            <a:ext uri="{AF507438-7753-43E0-B8FC-AC1667EBCBE1}">
               <a14:hiddenEffects xmlns:a14="http://schemas.microsoft.com/office/drawing/2010/main">
                 <a:effectLst>
                   <a:outerShdw dist="35921" dir="2700000" algn="ctr" rotWithShape="0">
@@ -10951,13 +10944,13 @@
   <p:clrMapOvr>
     <a:masterClrMapping/>
   </p:clrMapOvr>
-  <p:transition xmlns:p14="http://schemas.microsoft.com/office/powerpoint/2010/main">
+  <p:transition>
     <p:fade/>
   </p:transition>
   <p:timing>
     <p:tnLst>
       <p:par>
-        <p:cTn xmlns:p14="http://schemas.microsoft.com/office/powerpoint/2010/main" id="1" dur="indefinite" restart="never" nodeType="tmRoot"/>
+        <p:cTn id="1" dur="indefinite" restart="never" nodeType="tmRoot"/>
       </p:par>
     </p:tnLst>
   </p:timing>
@@ -11101,14 +11094,14 @@
             </a:contourClr>
           </a:sp3d>
           <a:extLst>
-            <a:ext uri="{909E8E84-426E-40dd-AFC4-6F175D3DCCD1}">
+            <a:ext uri="{909E8E84-426E-40DD-AFC4-6F175D3DCCD1}">
               <a14:hiddenFill xmlns:a14="http://schemas.microsoft.com/office/drawing/2010/main">
                 <a:solidFill>
                   <a:schemeClr val="accent1"/>
                 </a:solidFill>
               </a14:hiddenFill>
             </a:ext>
-            <a:ext uri="{91240B29-F687-4f45-9708-019B960494DF}">
+            <a:ext uri="{91240B29-F687-4F45-9708-019B960494DF}">
               <a14:hiddenLine xmlns:a14="http://schemas.microsoft.com/office/drawing/2010/main" w="9525">
                 <a:solidFill>
                   <a:schemeClr val="tx1"/>
@@ -11131,13 +11124,13 @@
   <p:clrMapOvr>
     <a:masterClrMapping/>
   </p:clrMapOvr>
-  <p:transition xmlns:p14="http://schemas.microsoft.com/office/powerpoint/2010/main">
+  <p:transition>
     <p:fade/>
   </p:transition>
   <p:timing>
     <p:tnLst>
       <p:par>
-        <p:cTn xmlns:p14="http://schemas.microsoft.com/office/powerpoint/2010/main" id="1" dur="indefinite" restart="never" nodeType="tmRoot"/>
+        <p:cTn id="1" dur="indefinite" restart="never" nodeType="tmRoot"/>
       </p:par>
     </p:tnLst>
   </p:timing>
@@ -11273,7 +11266,7 @@
             <a:reflection blurRad="12700" stA="38000" endPos="28000" dist="5000" dir="5400000" sy="-100000" algn="bl" rotWithShape="0"/>
           </a:effectLst>
           <a:extLst>
-            <a:ext uri="{91240B29-F687-4f45-9708-019B960494DF}">
+            <a:ext uri="{91240B29-F687-4F45-9708-019B960494DF}">
               <a14:hiddenLine xmlns:a14="http://schemas.microsoft.com/office/drawing/2010/main" w="9525">
                 <a:solidFill>
                   <a:schemeClr val="tx1"/>
@@ -11283,7 +11276,7 @@
                 <a:tailEnd/>
               </a14:hiddenLine>
             </a:ext>
-            <a:ext uri="{AF507438-7753-43e0-B8FC-AC1667EBCBE1}">
+            <a:ext uri="{AF507438-7753-43E0-B8FC-AC1667EBCBE1}">
               <a14:hiddenEffects xmlns:a14="http://schemas.microsoft.com/office/drawing/2010/main">
                 <a:effectLst>
                   <a:outerShdw dist="35921" dir="2700000" algn="ctr" rotWithShape="0">
@@ -11341,7 +11334,7 @@
             </a:outerShdw>
           </a:effectLst>
           <a:extLst>
-            <a:ext uri="{909E8E84-426E-40dd-AFC4-6F175D3DCCD1}">
+            <a:ext uri="{909E8E84-426E-40DD-AFC4-6F175D3DCCD1}">
               <a14:hiddenFill xmlns:a14="http://schemas.microsoft.com/office/drawing/2010/main">
                 <a:solidFill>
                   <a:schemeClr val="accent1"/>
@@ -11394,7 +11387,7 @@
             <a:reflection blurRad="12700" stA="38000" endPos="28000" dist="5000" dir="5400000" sy="-100000" algn="bl" rotWithShape="0"/>
           </a:effectLst>
           <a:extLst>
-            <a:ext uri="{91240B29-F687-4f45-9708-019B960494DF}">
+            <a:ext uri="{91240B29-F687-4F45-9708-019B960494DF}">
               <a14:hiddenLine xmlns:a14="http://schemas.microsoft.com/office/drawing/2010/main" w="9525">
                 <a:solidFill>
                   <a:schemeClr val="tx1"/>
@@ -11404,7 +11397,7 @@
                 <a:tailEnd/>
               </a14:hiddenLine>
             </a:ext>
-            <a:ext uri="{AF507438-7753-43e0-B8FC-AC1667EBCBE1}">
+            <a:ext uri="{AF507438-7753-43E0-B8FC-AC1667EBCBE1}">
               <a14:hiddenEffects xmlns:a14="http://schemas.microsoft.com/office/drawing/2010/main">
                 <a:effectLst>
                   <a:outerShdw dist="35921" dir="2700000" algn="ctr" rotWithShape="0">
@@ -11421,13 +11414,13 @@
   <p:clrMapOvr>
     <a:masterClrMapping/>
   </p:clrMapOvr>
-  <p:transition xmlns:p14="http://schemas.microsoft.com/office/powerpoint/2010/main">
+  <p:transition>
     <p:fade/>
   </p:transition>
   <p:timing>
     <p:tnLst>
       <p:par>
-        <p:cTn xmlns:p14="http://schemas.microsoft.com/office/powerpoint/2010/main" id="1" dur="indefinite" restart="never" nodeType="tmRoot"/>
+        <p:cTn id="1" dur="indefinite" restart="never" nodeType="tmRoot"/>
       </p:par>
     </p:tnLst>
   </p:timing>
@@ -11610,14 +11603,14 @@
             <a:bevelT w="63500" h="50800"/>
           </a:sp3d>
           <a:extLst>
-            <a:ext uri="{909E8E84-426E-40dd-AFC4-6F175D3DCCD1}">
+            <a:ext uri="{909E8E84-426E-40DD-AFC4-6F175D3DCCD1}">
               <a14:hiddenFill xmlns:a14="http://schemas.microsoft.com/office/drawing/2010/main">
                 <a:solidFill>
                   <a:schemeClr val="accent1"/>
                 </a:solidFill>
               </a14:hiddenFill>
             </a:ext>
-            <a:ext uri="{91240B29-F687-4f45-9708-019B960494DF}">
+            <a:ext uri="{91240B29-F687-4F45-9708-019B960494DF}">
               <a14:hiddenLine xmlns:a14="http://schemas.microsoft.com/office/drawing/2010/main" w="9525">
                 <a:solidFill>
                   <a:schemeClr val="tx1"/>
@@ -11627,7 +11620,7 @@
                 <a:tailEnd/>
               </a14:hiddenLine>
             </a:ext>
-            <a:ext uri="{AF507438-7753-43e0-B8FC-AC1667EBCBE1}">
+            <a:ext uri="{AF507438-7753-43E0-B8FC-AC1667EBCBE1}">
               <a14:hiddenEffects xmlns:a14="http://schemas.microsoft.com/office/drawing/2010/main">
                 <a:effectLst>
                   <a:outerShdw dist="35921" dir="2700000" algn="ctr" rotWithShape="0">
@@ -11649,13 +11642,13 @@
   <p:clrMapOvr>
     <a:masterClrMapping/>
   </p:clrMapOvr>
-  <p:transition xmlns:p14="http://schemas.microsoft.com/office/powerpoint/2010/main">
+  <p:transition>
     <p:fade/>
   </p:transition>
   <p:timing>
     <p:tnLst>
       <p:par>
-        <p:cTn xmlns:p14="http://schemas.microsoft.com/office/powerpoint/2010/main" id="1" dur="indefinite" restart="never" nodeType="tmRoot"/>
+        <p:cTn id="1" dur="indefinite" restart="never" nodeType="tmRoot"/>
       </p:par>
     </p:tnLst>
   </p:timing>

--- a/WalkAbout/doc/WalkAbout.pptx
+++ b/WalkAbout/doc/WalkAbout.pptx
@@ -20,7 +20,7 @@
     <p:sldId id="344" r:id="rId8"/>
   </p:sldIdLst>
   <p:sldSz cx="9144000" cy="6858000" type="screen4x3"/>
-  <p:notesSz cx="6858000" cy="9144000"/>
+  <p:notesSz cx="6934200" cy="9220200"/>
   <p:defaultTextStyle>
     <a:lvl1pPr marL="0" algn="l" rtl="0" latinLnBrk="0">
       <a:defRPr sz="1800" kern="1200">
@@ -152,14 +152,14 @@
         <p:spPr>
           <a:xfrm>
             <a:off x="0" y="0"/>
-            <a:ext cx="2971800" cy="457200"/>
+            <a:ext cx="3004820" cy="461010"/>
           </a:xfrm>
           <a:prstGeom prst="rect">
             <a:avLst/>
           </a:prstGeom>
         </p:spPr>
         <p:txBody>
-          <a:bodyPr vert="horz" rtlCol="0"/>
+          <a:bodyPr vert="horz" lIns="92309" tIns="46154" rIns="92309" bIns="46154" rtlCol="0"/>
           <a:lstStyle>
             <a:lvl1pPr algn="l">
               <a:defRPr sz="1200"/>
@@ -183,15 +183,15 @@
         </p:nvSpPr>
         <p:spPr>
           <a:xfrm>
-            <a:off x="3884613" y="0"/>
-            <a:ext cx="2971800" cy="457200"/>
+            <a:off x="3927775" y="0"/>
+            <a:ext cx="3004820" cy="461010"/>
           </a:xfrm>
           <a:prstGeom prst="rect">
             <a:avLst/>
           </a:prstGeom>
         </p:spPr>
         <p:txBody>
-          <a:bodyPr vert="horz" rtlCol="0"/>
+          <a:bodyPr vert="horz" lIns="92309" tIns="46154" rIns="92309" bIns="46154" rtlCol="0"/>
           <a:lstStyle>
             <a:lvl1pPr algn="r">
               <a:defRPr sz="1200"/>
@@ -202,7 +202,7 @@
             <a:fld id="{68F88C59-319B-4332-9A1D-2A62CFCB00D8}" type="datetimeFigureOut">
               <a:rPr lang="en-US" smtClean="0"/>
               <a:pPr/>
-              <a:t>4/30/2013</a:t>
+              <a:t>5/1/2013</a:t>
             </a:fld>
             <a:endParaRPr lang="en-US" dirty="0"/>
           </a:p>
@@ -220,15 +220,15 @@
         </p:nvSpPr>
         <p:spPr>
           <a:xfrm>
-            <a:off x="0" y="8685213"/>
-            <a:ext cx="2971800" cy="457200"/>
+            <a:off x="0" y="8757590"/>
+            <a:ext cx="3004820" cy="461010"/>
           </a:xfrm>
           <a:prstGeom prst="rect">
             <a:avLst/>
           </a:prstGeom>
         </p:spPr>
         <p:txBody>
-          <a:bodyPr vert="horz" rtlCol="0" anchor="b"/>
+          <a:bodyPr vert="horz" lIns="92309" tIns="46154" rIns="92309" bIns="46154" rtlCol="0" anchor="b"/>
           <a:lstStyle>
             <a:lvl1pPr algn="l">
               <a:defRPr sz="1200"/>
@@ -252,15 +252,15 @@
         </p:nvSpPr>
         <p:spPr>
           <a:xfrm>
-            <a:off x="3884613" y="8685213"/>
-            <a:ext cx="2971800" cy="457200"/>
+            <a:off x="3927775" y="8757590"/>
+            <a:ext cx="3004820" cy="461010"/>
           </a:xfrm>
           <a:prstGeom prst="rect">
             <a:avLst/>
           </a:prstGeom>
         </p:spPr>
         <p:txBody>
-          <a:bodyPr vert="horz" rtlCol="0" anchor="b"/>
+          <a:bodyPr vert="horz" lIns="92309" tIns="46154" rIns="92309" bIns="46154" rtlCol="0" anchor="b"/>
           <a:lstStyle>
             <a:lvl1pPr algn="r">
               <a:defRPr sz="1200"/>
@@ -323,14 +323,14 @@
         <p:spPr>
           <a:xfrm>
             <a:off x="0" y="0"/>
-            <a:ext cx="2971800" cy="457200"/>
+            <a:ext cx="3004820" cy="461010"/>
           </a:xfrm>
           <a:prstGeom prst="rect">
             <a:avLst/>
           </a:prstGeom>
         </p:spPr>
         <p:txBody>
-          <a:bodyPr vert="horz" rtlCol="0"/>
+          <a:bodyPr vert="horz" lIns="92309" tIns="46154" rIns="92309" bIns="46154" rtlCol="0"/>
           <a:lstStyle>
             <a:lvl1pPr algn="l">
               <a:defRPr sz="1200"/>
@@ -354,15 +354,15 @@
         </p:nvSpPr>
         <p:spPr>
           <a:xfrm>
-            <a:off x="3884613" y="0"/>
-            <a:ext cx="2971800" cy="457200"/>
+            <a:off x="3927775" y="0"/>
+            <a:ext cx="3004820" cy="461010"/>
           </a:xfrm>
           <a:prstGeom prst="rect">
             <a:avLst/>
           </a:prstGeom>
         </p:spPr>
         <p:txBody>
-          <a:bodyPr vert="horz" rtlCol="0"/>
+          <a:bodyPr vert="horz" lIns="92309" tIns="46154" rIns="92309" bIns="46154" rtlCol="0"/>
           <a:lstStyle>
             <a:lvl1pPr algn="r">
               <a:defRPr sz="1200"/>
@@ -373,7 +373,7 @@
             <a:fld id="{968B300D-05F0-4B43-940D-46DED5A791AD}" type="datetimeFigureOut">
               <a:rPr lang="en-US" smtClean="0"/>
               <a:pPr/>
-              <a:t>4/30/2013</a:t>
+              <a:t>5/1/2013</a:t>
             </a:fld>
             <a:endParaRPr lang="en-US" dirty="0"/>
           </a:p>
@@ -391,8 +391,8 @@
         </p:nvSpPr>
         <p:spPr>
           <a:xfrm>
-            <a:off x="1143000" y="685800"/>
-            <a:ext cx="4572000" cy="3429000"/>
+            <a:off x="1162050" y="692150"/>
+            <a:ext cx="4610100" cy="3457575"/>
           </a:xfrm>
           <a:prstGeom prst="rect">
             <a:avLst/>
@@ -405,7 +405,7 @@
           </a:ln>
         </p:spPr>
         <p:txBody>
-          <a:bodyPr vert="horz" rtlCol="0" anchor="ctr"/>
+          <a:bodyPr vert="horz" lIns="92309" tIns="46154" rIns="92309" bIns="46154" rtlCol="0" anchor="ctr"/>
           <a:lstStyle>
             <a:extLst/>
           </a:lstStyle>
@@ -426,15 +426,15 @@
         </p:nvSpPr>
         <p:spPr>
           <a:xfrm>
-            <a:off x="685800" y="4343400"/>
-            <a:ext cx="5486400" cy="4114800"/>
+            <a:off x="693420" y="4379595"/>
+            <a:ext cx="5547360" cy="4149090"/>
           </a:xfrm>
           <a:prstGeom prst="rect">
             <a:avLst/>
           </a:prstGeom>
         </p:spPr>
         <p:txBody>
-          <a:bodyPr vert="horz" rtlCol="0">
+          <a:bodyPr vert="horz" lIns="92309" tIns="46154" rIns="92309" bIns="46154" rtlCol="0">
             <a:normAutofit/>
           </a:bodyPr>
           <a:lstStyle>
@@ -491,15 +491,15 @@
         </p:nvSpPr>
         <p:spPr>
           <a:xfrm>
-            <a:off x="0" y="8685213"/>
-            <a:ext cx="2971800" cy="457200"/>
+            <a:off x="0" y="8757590"/>
+            <a:ext cx="3004820" cy="461010"/>
           </a:xfrm>
           <a:prstGeom prst="rect">
             <a:avLst/>
           </a:prstGeom>
         </p:spPr>
         <p:txBody>
-          <a:bodyPr vert="horz" rtlCol="0" anchor="b"/>
+          <a:bodyPr vert="horz" lIns="92309" tIns="46154" rIns="92309" bIns="46154" rtlCol="0" anchor="b"/>
           <a:lstStyle>
             <a:lvl1pPr algn="l">
               <a:defRPr sz="1200"/>
@@ -523,15 +523,15 @@
         </p:nvSpPr>
         <p:spPr>
           <a:xfrm>
-            <a:off x="3884613" y="8685213"/>
-            <a:ext cx="2971800" cy="457200"/>
+            <a:off x="3927775" y="8757590"/>
+            <a:ext cx="3004820" cy="461010"/>
           </a:xfrm>
           <a:prstGeom prst="rect">
             <a:avLst/>
           </a:prstGeom>
         </p:spPr>
         <p:txBody>
-          <a:bodyPr vert="horz" rtlCol="0" anchor="b"/>
+          <a:bodyPr vert="horz" lIns="92309" tIns="46154" rIns="92309" bIns="46154" rtlCol="0" anchor="b"/>
           <a:lstStyle>
             <a:lvl1pPr algn="r">
               <a:defRPr sz="1200"/>
@@ -698,103 +698,6 @@
           </a:bodyPr>
           <a:lstStyle/>
           <a:p>
-            <a:pPr lvl="0"/>
-            <a:r>
-              <a:rPr lang="en-US" sz="1200" kern="1200" dirty="0" smtClean="0">
-                <a:solidFill>
-                  <a:schemeClr val="tx1"/>
-                </a:solidFill>
-                <a:effectLst/>
-                <a:latin typeface="+mn-lt"/>
-                <a:ea typeface="+mn-ea"/>
-                <a:cs typeface="+mn-cs"/>
-              </a:rPr>
-              <a:t>1. Description of the project =&gt; what's the problem you're trying to solve</a:t>
-            </a:r>
-          </a:p>
-          <a:p>
-            <a:pPr lvl="0"/>
-            <a:r>
-              <a:rPr lang="en-US" sz="1200" kern="1200" dirty="0" smtClean="0">
-                <a:solidFill>
-                  <a:schemeClr val="tx1"/>
-                </a:solidFill>
-                <a:effectLst/>
-                <a:latin typeface="+mn-lt"/>
-                <a:ea typeface="+mn-ea"/>
-                <a:cs typeface="+mn-cs"/>
-              </a:rPr>
-              <a:t>2. The demo. If your app is long or very complex, you just have to show the most important aspect and discuss the others. You may take screenshots of the entire app and include that in your submission</a:t>
-            </a:r>
-          </a:p>
-          <a:p>
-            <a:pPr lvl="0"/>
-            <a:r>
-              <a:rPr lang="en-US" sz="1200" kern="1200" dirty="0" smtClean="0">
-                <a:solidFill>
-                  <a:schemeClr val="tx1"/>
-                </a:solidFill>
-                <a:effectLst/>
-                <a:latin typeface="+mn-lt"/>
-                <a:ea typeface="+mn-ea"/>
-                <a:cs typeface="+mn-cs"/>
-              </a:rPr>
-              <a:t>3. Brief discussion of what went right and what didn't and how you overcame the problems</a:t>
-            </a:r>
-          </a:p>
-          <a:p>
-            <a:pPr lvl="0"/>
-            <a:r>
-              <a:rPr lang="en-US" sz="1200" kern="1200" dirty="0" smtClean="0">
-                <a:solidFill>
-                  <a:schemeClr val="tx1"/>
-                </a:solidFill>
-                <a:effectLst/>
-                <a:latin typeface="+mn-lt"/>
-                <a:ea typeface="+mn-ea"/>
-                <a:cs typeface="+mn-cs"/>
-              </a:rPr>
-              <a:t>4. A brief overview of the key items you learned doing the project.</a:t>
-            </a:r>
-          </a:p>
-          <a:p>
-            <a:endParaRPr lang="en-US" sz="1200" kern="1200" dirty="0" smtClean="0">
-              <a:solidFill>
-                <a:schemeClr val="tx1"/>
-              </a:solidFill>
-              <a:effectLst/>
-              <a:latin typeface="+mn-lt"/>
-              <a:ea typeface="+mn-ea"/>
-              <a:cs typeface="+mn-cs"/>
-            </a:endParaRPr>
-          </a:p>
-          <a:p>
-            <a:r>
-              <a:rPr lang="en-US" sz="1200" u="sng" kern="1200" dirty="0" smtClean="0">
-                <a:solidFill>
-                  <a:schemeClr val="tx1"/>
-                </a:solidFill>
-                <a:effectLst/>
-                <a:latin typeface="+mn-lt"/>
-                <a:ea typeface="+mn-ea"/>
-                <a:cs typeface="+mn-cs"/>
-              </a:rPr>
-              <a:t>rec@bu.edu</a:t>
-            </a:r>
-            <a:r>
-              <a:rPr lang="en-US" sz="1200" kern="1200" dirty="0" smtClean="0">
-                <a:solidFill>
-                  <a:schemeClr val="tx1"/>
-                </a:solidFill>
-                <a:effectLst/>
-                <a:latin typeface="+mn-lt"/>
-                <a:ea typeface="+mn-ea"/>
-                <a:cs typeface="+mn-cs"/>
-              </a:rPr>
-              <a:t>.</a:t>
-            </a:r>
-          </a:p>
-          <a:p>
             <a:endParaRPr lang="en-US" dirty="0"/>
           </a:p>
         </p:txBody>
@@ -960,15 +863,7 @@
           <a:lstStyle/>
           <a:p>
             <a:pPr lvl="0"/>
-            <a:endParaRPr lang="en-US" sz="1200" kern="1200" dirty="0" smtClean="0">
-              <a:solidFill>
-                <a:schemeClr val="tx1"/>
-              </a:solidFill>
-              <a:effectLst/>
-              <a:latin typeface="+mn-lt"/>
-              <a:ea typeface="+mn-ea"/>
-              <a:cs typeface="+mn-cs"/>
-            </a:endParaRPr>
+            <a:endParaRPr lang="en-US" dirty="0"/>
           </a:p>
         </p:txBody>
       </p:sp>
@@ -1050,82 +945,6 @@
           </a:bodyPr>
           <a:lstStyle/>
           <a:p>
-            <a:pPr lvl="0"/>
-            <a:r>
-              <a:rPr lang="en-US" sz="1200" kern="1200" dirty="0" smtClean="0">
-                <a:solidFill>
-                  <a:schemeClr val="tx1"/>
-                </a:solidFill>
-                <a:effectLst/>
-                <a:latin typeface="+mn-lt"/>
-                <a:ea typeface="+mn-ea"/>
-                <a:cs typeface="+mn-cs"/>
-              </a:rPr>
-              <a:t>3. Brief discussion of what went right and what didn't and how you overcame the problems</a:t>
-            </a:r>
-          </a:p>
-          <a:p>
-            <a:pPr lvl="0"/>
-            <a:r>
-              <a:rPr lang="en-US" sz="1200" kern="1200" dirty="0" smtClean="0">
-                <a:solidFill>
-                  <a:schemeClr val="tx1"/>
-                </a:solidFill>
-                <a:effectLst/>
-                <a:latin typeface="+mn-lt"/>
-                <a:ea typeface="+mn-ea"/>
-                <a:cs typeface="+mn-cs"/>
-              </a:rPr>
-              <a:t>4. A brief overview of the key items you learned doing the project.</a:t>
-            </a:r>
-          </a:p>
-          <a:p>
-            <a:endParaRPr lang="en-US" sz="1200" kern="1200" dirty="0" smtClean="0">
-              <a:solidFill>
-                <a:schemeClr val="tx1"/>
-              </a:solidFill>
-              <a:effectLst/>
-              <a:latin typeface="+mn-lt"/>
-              <a:ea typeface="+mn-ea"/>
-              <a:cs typeface="+mn-cs"/>
-            </a:endParaRPr>
-          </a:p>
-          <a:p>
-            <a:r>
-              <a:rPr lang="en-US" sz="1200" u="sng" kern="1200" dirty="0" smtClean="0">
-                <a:solidFill>
-                  <a:schemeClr val="tx1"/>
-                </a:solidFill>
-                <a:effectLst/>
-                <a:latin typeface="+mn-lt"/>
-                <a:ea typeface="+mn-ea"/>
-                <a:cs typeface="+mn-cs"/>
-              </a:rPr>
-              <a:t>rec@bu.edu</a:t>
-            </a:r>
-            <a:r>
-              <a:rPr lang="en-US" sz="1200" kern="1200" dirty="0" smtClean="0">
-                <a:solidFill>
-                  <a:schemeClr val="tx1"/>
-                </a:solidFill>
-                <a:effectLst/>
-                <a:latin typeface="+mn-lt"/>
-                <a:ea typeface="+mn-ea"/>
-                <a:cs typeface="+mn-cs"/>
-              </a:rPr>
-              <a:t>.</a:t>
-            </a:r>
-          </a:p>
-          <a:p>
-            <a:endParaRPr lang="en-US" dirty="0" smtClean="0"/>
-          </a:p>
-          <a:p>
-            <a:endParaRPr lang="en-US" dirty="0" smtClean="0"/>
-          </a:p>
-          <a:p>
-            <a:endParaRPr lang="en-US" dirty="0" smtClean="0"/>
-          </a:p>
-          <a:p>
             <a:endParaRPr lang="en-US" dirty="0"/>
           </a:p>
         </p:txBody>
@@ -1208,67 +1027,6 @@
           </a:bodyPr>
           <a:lstStyle/>
           <a:p>
-            <a:pPr lvl="0"/>
-            <a:r>
-              <a:rPr lang="en-US" sz="1200" kern="1200" dirty="0" smtClean="0">
-                <a:solidFill>
-                  <a:schemeClr val="tx1"/>
-                </a:solidFill>
-                <a:effectLst/>
-                <a:latin typeface="+mn-lt"/>
-                <a:ea typeface="+mn-ea"/>
-                <a:cs typeface="+mn-cs"/>
-              </a:rPr>
-              <a:t>3. Brief discussion of what went right and what didn't and how you overcame the problems</a:t>
-            </a:r>
-          </a:p>
-          <a:p>
-            <a:endParaRPr lang="en-US" sz="1200" kern="1200" dirty="0" smtClean="0">
-              <a:solidFill>
-                <a:schemeClr val="tx1"/>
-              </a:solidFill>
-              <a:effectLst/>
-              <a:latin typeface="+mn-lt"/>
-              <a:ea typeface="+mn-ea"/>
-              <a:cs typeface="+mn-cs"/>
-            </a:endParaRPr>
-          </a:p>
-          <a:p>
-            <a:r>
-              <a:rPr lang="en-US" sz="1200" u="sng" kern="1200" dirty="0" smtClean="0">
-                <a:solidFill>
-                  <a:schemeClr val="tx1"/>
-                </a:solidFill>
-                <a:effectLst/>
-                <a:latin typeface="+mn-lt"/>
-                <a:ea typeface="+mn-ea"/>
-                <a:cs typeface="+mn-cs"/>
-              </a:rPr>
-              <a:t>rec@bu.edu</a:t>
-            </a:r>
-            <a:r>
-              <a:rPr lang="en-US" sz="1200" kern="1200" dirty="0" smtClean="0">
-                <a:solidFill>
-                  <a:schemeClr val="tx1"/>
-                </a:solidFill>
-                <a:effectLst/>
-                <a:latin typeface="+mn-lt"/>
-                <a:ea typeface="+mn-ea"/>
-                <a:cs typeface="+mn-cs"/>
-              </a:rPr>
-              <a:t>.</a:t>
-            </a:r>
-          </a:p>
-          <a:p>
-            <a:endParaRPr lang="en-US" dirty="0" smtClean="0"/>
-          </a:p>
-          <a:p>
-            <a:endParaRPr lang="en-US" dirty="0" smtClean="0"/>
-          </a:p>
-          <a:p>
-            <a:endParaRPr lang="en-US" dirty="0" smtClean="0"/>
-          </a:p>
-          <a:p>
             <a:endParaRPr lang="en-US" dirty="0"/>
           </a:p>
         </p:txBody>
@@ -1351,37 +1109,6 @@
           </a:bodyPr>
           <a:lstStyle/>
           <a:p>
-            <a:pPr marL="0" marR="0" lvl="0" indent="0" algn="l" defTabSz="914400" rtl="0" eaLnBrk="1" fontAlgn="auto" latinLnBrk="0" hangingPunct="1">
-              <a:lnSpc>
-                <a:spcPct val="100000"/>
-              </a:lnSpc>
-              <a:spcBef>
-                <a:spcPts val="0"/>
-              </a:spcBef>
-              <a:spcAft>
-                <a:spcPts val="0"/>
-              </a:spcAft>
-              <a:buClrTx/>
-              <a:buSzTx/>
-              <a:buFontTx/>
-              <a:buNone/>
-              <a:tabLst/>
-              <a:defRPr/>
-            </a:pPr>
-            <a:r>
-              <a:rPr lang="en-US" sz="1200" kern="1200" dirty="0" smtClean="0">
-                <a:solidFill>
-                  <a:schemeClr val="tx1"/>
-                </a:solidFill>
-                <a:effectLst/>
-                <a:latin typeface="+mn-lt"/>
-                <a:ea typeface="+mn-ea"/>
-                <a:cs typeface="+mn-cs"/>
-              </a:rPr>
-              <a:t>4. A brief overview of the key items you learned doing the project.</a:t>
-            </a:r>
-          </a:p>
-          <a:p>
             <a:endParaRPr lang="en-US" dirty="0"/>
           </a:p>
         </p:txBody>
@@ -1463,103 +1190,6 @@
             <a:normAutofit/>
           </a:bodyPr>
           <a:lstStyle/>
-          <a:p>
-            <a:pPr lvl="0"/>
-            <a:r>
-              <a:rPr lang="en-US" sz="1200" kern="1200" dirty="0" smtClean="0">
-                <a:solidFill>
-                  <a:schemeClr val="tx1"/>
-                </a:solidFill>
-                <a:effectLst/>
-                <a:latin typeface="+mn-lt"/>
-                <a:ea typeface="+mn-ea"/>
-                <a:cs typeface="+mn-cs"/>
-              </a:rPr>
-              <a:t>1. Description of the project =&gt; what's the problem you're trying to solve</a:t>
-            </a:r>
-          </a:p>
-          <a:p>
-            <a:pPr lvl="0"/>
-            <a:r>
-              <a:rPr lang="en-US" sz="1200" kern="1200" dirty="0" smtClean="0">
-                <a:solidFill>
-                  <a:schemeClr val="tx1"/>
-                </a:solidFill>
-                <a:effectLst/>
-                <a:latin typeface="+mn-lt"/>
-                <a:ea typeface="+mn-ea"/>
-                <a:cs typeface="+mn-cs"/>
-              </a:rPr>
-              <a:t>2. The demo. If your app is long or very complex, you just have to show the most important aspect and discuss the others. You may take screenshots of the entire app and include that in your submission</a:t>
-            </a:r>
-          </a:p>
-          <a:p>
-            <a:pPr lvl="0"/>
-            <a:r>
-              <a:rPr lang="en-US" sz="1200" kern="1200" dirty="0" smtClean="0">
-                <a:solidFill>
-                  <a:schemeClr val="tx1"/>
-                </a:solidFill>
-                <a:effectLst/>
-                <a:latin typeface="+mn-lt"/>
-                <a:ea typeface="+mn-ea"/>
-                <a:cs typeface="+mn-cs"/>
-              </a:rPr>
-              <a:t>3. Brief discussion of what went right and what didn't and how you overcame the problems</a:t>
-            </a:r>
-          </a:p>
-          <a:p>
-            <a:pPr lvl="0"/>
-            <a:r>
-              <a:rPr lang="en-US" sz="1200" kern="1200" dirty="0" smtClean="0">
-                <a:solidFill>
-                  <a:schemeClr val="tx1"/>
-                </a:solidFill>
-                <a:effectLst/>
-                <a:latin typeface="+mn-lt"/>
-                <a:ea typeface="+mn-ea"/>
-                <a:cs typeface="+mn-cs"/>
-              </a:rPr>
-              <a:t>4. A brief overview of the key items you learned doing the project.</a:t>
-            </a:r>
-          </a:p>
-          <a:p>
-            <a:endParaRPr lang="en-US" sz="1200" kern="1200" dirty="0" smtClean="0">
-              <a:solidFill>
-                <a:schemeClr val="tx1"/>
-              </a:solidFill>
-              <a:effectLst/>
-              <a:latin typeface="+mn-lt"/>
-              <a:ea typeface="+mn-ea"/>
-              <a:cs typeface="+mn-cs"/>
-            </a:endParaRPr>
-          </a:p>
-          <a:p>
-            <a:r>
-              <a:rPr lang="en-US" sz="1200" u="sng" kern="1200" dirty="0" smtClean="0">
-                <a:solidFill>
-                  <a:schemeClr val="tx1"/>
-                </a:solidFill>
-                <a:effectLst/>
-                <a:latin typeface="+mn-lt"/>
-                <a:ea typeface="+mn-ea"/>
-                <a:cs typeface="+mn-cs"/>
-              </a:rPr>
-              <a:t>rec@bu.edu</a:t>
-            </a:r>
-            <a:r>
-              <a:rPr lang="en-US" sz="1200" kern="1200" dirty="0" smtClean="0">
-                <a:solidFill>
-                  <a:schemeClr val="tx1"/>
-                </a:solidFill>
-                <a:effectLst/>
-                <a:latin typeface="+mn-lt"/>
-                <a:ea typeface="+mn-ea"/>
-                <a:cs typeface="+mn-cs"/>
-              </a:rPr>
-              <a:t>.</a:t>
-            </a:r>
-          </a:p>
           <a:p>
             <a:endParaRPr lang="en-US" dirty="0"/>
           </a:p>
@@ -1897,7 +1527,7 @@
                 </a:solidFill>
               </a:rPr>
               <a:pPr/>
-              <a:t>4/30/2013</a:t>
+              <a:t>5/1/2013</a:t>
             </a:fld>
             <a:endParaRPr lang="en-US" dirty="0"/>
           </a:p>
@@ -2325,7 +1955,7 @@
                 </a:solidFill>
               </a:rPr>
               <a:pPr/>
-              <a:t>4/30/2013</a:t>
+              <a:t>5/1/2013</a:t>
             </a:fld>
             <a:endParaRPr lang="en-US" dirty="0"/>
           </a:p>
@@ -2696,7 +2326,7 @@
                 </a:solidFill>
               </a:rPr>
               <a:pPr/>
-              <a:t>4/30/2013</a:t>
+              <a:t>5/1/2013</a:t>
             </a:fld>
             <a:endParaRPr lang="en-US" dirty="0"/>
           </a:p>
@@ -3301,7 +2931,7 @@
                 </a:solidFill>
               </a:rPr>
               <a:pPr/>
-              <a:t>4/30/2013</a:t>
+              <a:t>5/1/2013</a:t>
             </a:fld>
             <a:endParaRPr lang="en-US" dirty="0"/>
           </a:p>
@@ -3887,7 +3517,7 @@
                 </a:solidFill>
               </a:rPr>
               <a:pPr/>
-              <a:t>4/30/2013</a:t>
+              <a:t>5/1/2013</a:t>
             </a:fld>
             <a:endParaRPr lang="en-US" dirty="0"/>
           </a:p>
@@ -4365,7 +3995,7 @@
                 </a:solidFill>
               </a:rPr>
               <a:pPr/>
-              <a:t>4/30/2013</a:t>
+              <a:t>5/1/2013</a:t>
             </a:fld>
             <a:endParaRPr lang="en-US" dirty="0"/>
           </a:p>
@@ -4807,7 +4437,7 @@
                 </a:solidFill>
               </a:rPr>
               <a:pPr/>
-              <a:t>4/30/2013</a:t>
+              <a:t>5/1/2013</a:t>
             </a:fld>
             <a:endParaRPr lang="en-US" dirty="0"/>
           </a:p>
@@ -5332,7 +4962,7 @@
                 </a:solidFill>
               </a:rPr>
               <a:pPr/>
-              <a:t>4/30/2013</a:t>
+              <a:t>5/1/2013</a:t>
             </a:fld>
             <a:endParaRPr lang="en-US" dirty="0"/>
           </a:p>
@@ -5857,7 +5487,7 @@
                 </a:solidFill>
               </a:rPr>
               <a:pPr/>
-              <a:t>4/30/2013</a:t>
+              <a:t>5/1/2013</a:t>
             </a:fld>
             <a:endParaRPr lang="en-US" dirty="0"/>
           </a:p>
@@ -6086,7 +5716,7 @@
                 </a:solidFill>
               </a:rPr>
               <a:pPr/>
-              <a:t>4/30/2013</a:t>
+              <a:t>5/1/2013</a:t>
             </a:fld>
             <a:endParaRPr lang="en-US" dirty="0"/>
           </a:p>
@@ -6434,7 +6064,7 @@
                 </a:solidFill>
               </a:rPr>
               <a:pPr/>
-              <a:t>4/30/2013</a:t>
+              <a:t>5/1/2013</a:t>
             </a:fld>
             <a:endParaRPr lang="en-US" dirty="0"/>
           </a:p>
@@ -6680,7 +6310,7 @@
                 </a:solidFill>
               </a:rPr>
               <a:pPr/>
-              <a:t>4/30/2013</a:t>
+              <a:t>5/1/2013</a:t>
             </a:fld>
             <a:endParaRPr lang="en-US" dirty="0"/>
           </a:p>
@@ -6909,7 +6539,7 @@
                 </a:solidFill>
               </a:rPr>
               <a:pPr/>
-              <a:t>4/30/2013</a:t>
+              <a:t>5/1/2013</a:t>
             </a:fld>
             <a:endParaRPr lang="en-US" dirty="0"/>
           </a:p>
@@ -7094,7 +6724,7 @@
             <a:fld id="{ACB2EC6F-6501-4E04-BD6C-A8A6CABB2C5B}" type="datetimeFigureOut">
               <a:rPr lang="en-US" smtClean="0"/>
               <a:pPr/>
-              <a:t>4/30/2013</a:t>
+              <a:t>5/1/2013</a:t>
             </a:fld>
             <a:endParaRPr lang="en-US" dirty="0"/>
           </a:p>
@@ -7352,7 +6982,7 @@
                 </a:solidFill>
               </a:rPr>
               <a:pPr/>
-              <a:t>4/30/2013</a:t>
+              <a:t>5/1/2013</a:t>
             </a:fld>
             <a:endParaRPr lang="en-US" dirty="0"/>
           </a:p>
@@ -7847,7 +7477,7 @@
                 </a:solidFill>
               </a:rPr>
               <a:pPr/>
-              <a:t>4/30/2013</a:t>
+              <a:t>5/1/2013</a:t>
             </a:fld>
             <a:endParaRPr lang="en-US" dirty="0"/>
           </a:p>
@@ -8219,7 +7849,7 @@
                 </a:solidFill>
               </a:rPr>
               <a:pPr/>
-              <a:t>4/30/2013</a:t>
+              <a:t>5/1/2013</a:t>
             </a:fld>
             <a:endParaRPr lang="en-US" dirty="0"/>
           </a:p>
@@ -8591,7 +8221,7 @@
                 </a:solidFill>
               </a:rPr>
               <a:pPr/>
-              <a:t>4/30/2013</a:t>
+              <a:t>5/1/2013</a:t>
             </a:fld>
             <a:endParaRPr lang="en-US" dirty="0"/>
           </a:p>
@@ -8923,7 +8553,7 @@
                 </a:solidFill>
               </a:rPr>
               <a:pPr/>
-              <a:t>4/30/2013</a:t>
+              <a:t>5/1/2013</a:t>
             </a:fld>
             <a:endParaRPr lang="en-US" dirty="0"/>
           </a:p>
@@ -9445,7 +9075,7 @@
                 </a:solidFill>
               </a:rPr>
               <a:pPr/>
-              <a:t>4/30/2013</a:t>
+              <a:t>5/1/2013</a:t>
             </a:fld>
             <a:endParaRPr lang="en-US" dirty="0"/>
           </a:p>
@@ -9674,7 +9304,7 @@
                 </a:solidFill>
               </a:rPr>
               <a:pPr/>
-              <a:t>4/30/2013</a:t>
+              <a:t>5/1/2013</a:t>
             </a:fld>
             <a:endParaRPr lang="en-US" sz="1200" dirty="0">
               <a:solidFill>
@@ -10241,7 +9871,7 @@
           <a:lstStyle/>
           <a:p>
             <a:r>
-              <a:rPr lang="en-US" dirty="0" err="1" smtClean="0">
+              <a:rPr lang="en-US" dirty="0" smtClean="0">
                 <a:latin typeface="Arial" pitchFamily="34" charset="0"/>
                 <a:cs typeface="Arial" pitchFamily="34" charset="0"/>
               </a:rPr>
@@ -10374,21 +10004,7 @@
                 <a:latin typeface="Arial" pitchFamily="34" charset="0"/>
                 <a:cs typeface="Arial" pitchFamily="34" charset="0"/>
               </a:rPr>
-              <a:t>What is </a:t>
-            </a:r>
-            <a:r>
-              <a:rPr lang="en-US" b="1" dirty="0" err="1" smtClean="0">
-                <a:latin typeface="Arial" pitchFamily="34" charset="0"/>
-                <a:cs typeface="Arial" pitchFamily="34" charset="0"/>
-              </a:rPr>
-              <a:t>WalkAbout</a:t>
-            </a:r>
-            <a:r>
-              <a:rPr lang="en-US" b="1" dirty="0" smtClean="0">
-                <a:latin typeface="Arial" pitchFamily="34" charset="0"/>
-                <a:cs typeface="Arial" pitchFamily="34" charset="0"/>
-              </a:rPr>
-              <a:t>?</a:t>
+              <a:t>What is WalkAbout?</a:t>
             </a:r>
           </a:p>
           <a:p>
@@ -10410,8 +10026,12 @@
                 <a:latin typeface="Arial" pitchFamily="34" charset="0"/>
                 <a:cs typeface="Arial" pitchFamily="34" charset="0"/>
               </a:rPr>
-              <a:t>Photo Organization</a:t>
-            </a:r>
+              <a:t>Organization</a:t>
+            </a:r>
+            <a:endParaRPr lang="en-US" dirty="0" smtClean="0">
+              <a:latin typeface="Arial" pitchFamily="34" charset="0"/>
+              <a:cs typeface="Arial" pitchFamily="34" charset="0"/>
+            </a:endParaRPr>
           </a:p>
           <a:p>
             <a:pPr marL="285750" indent="-285750">
@@ -10423,7 +10043,20 @@
                 <a:latin typeface="Arial" pitchFamily="34" charset="0"/>
                 <a:cs typeface="Arial" pitchFamily="34" charset="0"/>
               </a:rPr>
-              <a:t>Photo Mapping</a:t>
+              <a:t>Mapping</a:t>
+            </a:r>
+            <a:endParaRPr lang="en-US" dirty="0" smtClean="0">
+              <a:latin typeface="Arial" pitchFamily="34" charset="0"/>
+              <a:cs typeface="Arial" pitchFamily="34" charset="0"/>
+            </a:endParaRPr>
+          </a:p>
+          <a:p>
+            <a:r>
+              <a:rPr lang="en-US" dirty="0" smtClean="0">
+                <a:latin typeface="Arial" pitchFamily="34" charset="0"/>
+                <a:cs typeface="Arial" pitchFamily="34" charset="0"/>
+              </a:rPr>
+              <a:t>for photographs.</a:t>
             </a:r>
           </a:p>
           <a:p>
@@ -10447,7 +10080,28 @@
                 <a:latin typeface="Arial" pitchFamily="34" charset="0"/>
                 <a:cs typeface="Arial" pitchFamily="34" charset="0"/>
               </a:rPr>
-              <a:t>Photographers who like organizing their photos by area (waypoints) and like to see the results on a map.</a:t>
+              <a:t>Travelers </a:t>
+            </a:r>
+            <a:r>
+              <a:rPr lang="en-US" dirty="0" smtClean="0">
+                <a:latin typeface="Arial" pitchFamily="34" charset="0"/>
+                <a:cs typeface="Arial" pitchFamily="34" charset="0"/>
+              </a:rPr>
+              <a:t>who like organizing their photos by area (waypoints) and like to see the </a:t>
+            </a:r>
+            <a:r>
+              <a:rPr lang="en-US" dirty="0" smtClean="0">
+                <a:latin typeface="Arial" pitchFamily="34" charset="0"/>
+                <a:cs typeface="Arial" pitchFamily="34" charset="0"/>
+              </a:rPr>
+              <a:t>photos on </a:t>
+            </a:r>
+            <a:r>
+              <a:rPr lang="en-US" dirty="0" smtClean="0">
+                <a:latin typeface="Arial" pitchFamily="34" charset="0"/>
+                <a:cs typeface="Arial" pitchFamily="34" charset="0"/>
+              </a:rPr>
+              <a:t>a map.</a:t>
             </a:r>
           </a:p>
           <a:p>
@@ -10569,6 +10223,182 @@
           <a:chExt cx="0" cy="0"/>
         </a:xfrm>
       </p:grpSpPr>
+      <p:sp>
+        <p:nvSpPr>
+          <p:cNvPr id="3" name="Rectangle 2"/>
+          <p:cNvSpPr>
+            <a:spLocks noGrp="1"/>
+          </p:cNvSpPr>
+          <p:nvPr>
+            <p:ph type="body" sz="quarter" idx="14"/>
+          </p:nvPr>
+        </p:nvSpPr>
+        <p:spPr/>
+        <p:txBody>
+          <a:bodyPr>
+            <a:normAutofit fontScale="70000" lnSpcReduction="20000"/>
+          </a:bodyPr>
+          <a:lstStyle>
+            <a:extLst/>
+          </a:lstStyle>
+          <a:p>
+            <a:pPr marL="0" indent="0"/>
+            <a:r>
+              <a:rPr lang="en-US" dirty="0" smtClean="0">
+                <a:latin typeface="Arial" pitchFamily="34" charset="0"/>
+                <a:cs typeface="Arial" pitchFamily="34" charset="0"/>
+              </a:rPr>
+              <a:t>Adding and editing Waypoints</a:t>
+            </a:r>
+          </a:p>
+          <a:p>
+            <a:pPr marL="0" indent="0"/>
+            <a:r>
+              <a:rPr lang="en-US" dirty="0" smtClean="0">
+                <a:latin typeface="Arial" pitchFamily="34" charset="0"/>
+                <a:cs typeface="Arial" pitchFamily="34" charset="0"/>
+              </a:rPr>
+              <a:t>Taking Photos and moving them between Waypoints</a:t>
+            </a:r>
+          </a:p>
+          <a:p>
+            <a:pPr marL="0" indent="0"/>
+            <a:r>
+              <a:rPr lang="en-US" dirty="0" smtClean="0">
+                <a:latin typeface="Arial" pitchFamily="34" charset="0"/>
+                <a:cs typeface="Arial" pitchFamily="34" charset="0"/>
+              </a:rPr>
+              <a:t>Deleting Photos </a:t>
+            </a:r>
+            <a:r>
+              <a:rPr lang="en-US" smtClean="0">
+                <a:latin typeface="Arial" pitchFamily="34" charset="0"/>
+                <a:cs typeface="Arial" pitchFamily="34" charset="0"/>
+              </a:rPr>
+              <a:t>and Waypoints</a:t>
+            </a:r>
+            <a:endParaRPr lang="en-US" dirty="0" smtClean="0">
+              <a:latin typeface="Arial" pitchFamily="34" charset="0"/>
+              <a:cs typeface="Arial" pitchFamily="34" charset="0"/>
+            </a:endParaRPr>
+          </a:p>
+          <a:p>
+            <a:pPr marL="0" indent="0"/>
+            <a:r>
+              <a:rPr lang="en-US" dirty="0" smtClean="0">
+                <a:latin typeface="Arial" pitchFamily="34" charset="0"/>
+                <a:cs typeface="Arial" pitchFamily="34" charset="0"/>
+              </a:rPr>
+              <a:t>Mapping Photos</a:t>
+            </a:r>
+            <a:endParaRPr lang="en-US" dirty="0">
+              <a:latin typeface="Arial" pitchFamily="34" charset="0"/>
+              <a:cs typeface="Arial" pitchFamily="34" charset="0"/>
+            </a:endParaRPr>
+          </a:p>
+        </p:txBody>
+      </p:sp>
+      <p:sp>
+        <p:nvSpPr>
+          <p:cNvPr id="10" name="Title 9"/>
+          <p:cNvSpPr>
+            <a:spLocks noGrp="1"/>
+          </p:cNvSpPr>
+          <p:nvPr>
+            <p:ph type="title"/>
+          </p:nvPr>
+        </p:nvSpPr>
+        <p:spPr/>
+        <p:txBody>
+          <a:bodyPr/>
+          <a:lstStyle/>
+          <a:p>
+            <a:r>
+              <a:rPr lang="en-US" dirty="0" smtClean="0">
+                <a:latin typeface="Arial" pitchFamily="34" charset="0"/>
+                <a:cs typeface="Arial" pitchFamily="34" charset="0"/>
+              </a:rPr>
+              <a:t>Demonstration</a:t>
+            </a:r>
+            <a:endParaRPr lang="en-US" dirty="0">
+              <a:latin typeface="Arial" pitchFamily="34" charset="0"/>
+              <a:cs typeface="Arial" pitchFamily="34" charset="0"/>
+            </a:endParaRPr>
+          </a:p>
+        </p:txBody>
+      </p:sp>
+      <p:pic>
+        <p:nvPicPr>
+          <p:cNvPr id="1026" name="Picture 2"/>
+          <p:cNvPicPr>
+            <a:picLocks noChangeArrowheads="1"/>
+          </p:cNvPicPr>
+          <p:nvPr/>
+        </p:nvPicPr>
+        <p:blipFill>
+          <a:blip r:embed="rId3">
+            <a:extLst>
+              <a:ext uri="{28A0092B-C50C-407E-A947-70E740481C1C}">
+                <a14:useLocalDpi xmlns:a14="http://schemas.microsoft.com/office/drawing/2010/main" val="0"/>
+              </a:ext>
+            </a:extLst>
+          </a:blip>
+          <a:srcRect/>
+          <a:stretch>
+            <a:fillRect/>
+          </a:stretch>
+        </p:blipFill>
+        <p:spPr bwMode="auto">
+          <a:xfrm>
+            <a:off x="97536" y="116155"/>
+            <a:ext cx="2569464" cy="3867912"/>
+          </a:xfrm>
+          <a:prstGeom prst="roundRect">
+            <a:avLst>
+              <a:gd name="adj" fmla="val 8594"/>
+            </a:avLst>
+          </a:prstGeom>
+          <a:solidFill>
+            <a:srgbClr val="FFFFFF">
+              <a:shade val="85000"/>
+            </a:srgbClr>
+          </a:solidFill>
+          <a:ln>
+            <a:noFill/>
+          </a:ln>
+          <a:effectLst>
+            <a:reflection blurRad="12700" stA="38000" endPos="28000" dist="5000" dir="5400000" sy="-100000" algn="bl" rotWithShape="0"/>
+          </a:effectLst>
+          <a:extLst>
+            <a:ext uri="{909E8E84-426E-40DD-AFC4-6F175D3DCCD1}">
+              <a14:hiddenFill xmlns:a14="http://schemas.microsoft.com/office/drawing/2010/main">
+                <a:solidFill>
+                  <a:schemeClr val="accent1"/>
+                </a:solidFill>
+              </a14:hiddenFill>
+            </a:ext>
+            <a:ext uri="{91240B29-F687-4F45-9708-019B960494DF}">
+              <a14:hiddenLine xmlns:a14="http://schemas.microsoft.com/office/drawing/2010/main" w="9525">
+                <a:solidFill>
+                  <a:schemeClr val="tx1"/>
+                </a:solidFill>
+                <a:miter lim="800000"/>
+                <a:headEnd/>
+                <a:tailEnd/>
+              </a14:hiddenLine>
+            </a:ext>
+            <a:ext uri="{AF507438-7753-43E0-B8FC-AC1667EBCBE1}">
+              <a14:hiddenEffects xmlns:a14="http://schemas.microsoft.com/office/drawing/2010/main">
+                <a:effectLst>
+                  <a:outerShdw dist="35921" dir="2700000" algn="ctr" rotWithShape="0">
+                    <a:schemeClr val="bg2"/>
+                  </a:outerShdw>
+                </a:effectLst>
+              </a14:hiddenEffects>
+            </a:ext>
+          </a:extLst>
+        </p:spPr>
+      </p:pic>
       <p:pic>
         <p:nvPicPr>
           <p:cNvPr id="11" name="Picture 10"/>
@@ -10576,14 +10406,14 @@
           <p:nvPr/>
         </p:nvPicPr>
         <p:blipFill>
-          <a:blip r:embed="rId3"/>
+          <a:blip r:embed="rId4"/>
           <a:stretch>
             <a:fillRect/>
           </a:stretch>
         </p:blipFill>
         <p:spPr>
           <a:xfrm>
-            <a:off x="3352800" y="380556"/>
+            <a:off x="2362200" y="1029031"/>
             <a:ext cx="2571750" cy="3867468"/>
           </a:xfrm>
           <a:prstGeom prst="roundRect">
@@ -10606,19 +10436,28 @@
       </p:pic>
       <p:pic>
         <p:nvPicPr>
-          <p:cNvPr id="13" name="Picture 12"/>
-          <p:cNvPicPr/>
+          <p:cNvPr id="1027" name="Picture 3"/>
+          <p:cNvPicPr>
+            <a:picLocks noChangeArrowheads="1"/>
+          </p:cNvPicPr>
           <p:nvPr/>
         </p:nvPicPr>
         <p:blipFill>
-          <a:blip r:embed="rId4"/>
+          <a:blip r:embed="rId5">
+            <a:extLst>
+              <a:ext uri="{28A0092B-C50C-407E-A947-70E740481C1C}">
+                <a14:useLocalDpi xmlns:a14="http://schemas.microsoft.com/office/drawing/2010/main" val="0"/>
+              </a:ext>
+            </a:extLst>
+          </a:blip>
+          <a:srcRect/>
           <a:stretch>
             <a:fillRect/>
           </a:stretch>
         </p:blipFill>
-        <p:spPr>
+        <p:spPr bwMode="auto">
           <a:xfrm>
-            <a:off x="457200" y="380556"/>
+            <a:off x="4572000" y="1600200"/>
             <a:ext cx="2569464" cy="3867912"/>
           </a:xfrm>
           <a:prstGeom prst="roundRect">
@@ -10637,23 +10476,60 @@
           <a:effectLst>
             <a:reflection blurRad="12700" stA="38000" endPos="28000" dist="5000" dir="5400000" sy="-100000" algn="bl" rotWithShape="0"/>
           </a:effectLst>
+          <a:extLst>
+            <a:ext uri="{909E8E84-426E-40DD-AFC4-6F175D3DCCD1}">
+              <a14:hiddenFill xmlns:a14="http://schemas.microsoft.com/office/drawing/2010/main">
+                <a:solidFill>
+                  <a:schemeClr val="accent1"/>
+                </a:solidFill>
+              </a14:hiddenFill>
+            </a:ext>
+            <a:ext uri="{91240B29-F687-4F45-9708-019B960494DF}">
+              <a14:hiddenLine xmlns:a14="http://schemas.microsoft.com/office/drawing/2010/main" w="9525">
+                <a:solidFill>
+                  <a:schemeClr val="tx1"/>
+                </a:solidFill>
+                <a:miter lim="800000"/>
+                <a:headEnd/>
+                <a:tailEnd/>
+              </a14:hiddenLine>
+            </a:ext>
+            <a:ext uri="{AF507438-7753-43E0-B8FC-AC1667EBCBE1}">
+              <a14:hiddenEffects xmlns:a14="http://schemas.microsoft.com/office/drawing/2010/main">
+                <a:effectLst>
+                  <a:outerShdw dist="35921" dir="2700000" algn="ctr" rotWithShape="0">
+                    <a:schemeClr val="bg2"/>
+                  </a:outerShdw>
+                </a:effectLst>
+              </a14:hiddenEffects>
+            </a:ext>
+          </a:extLst>
         </p:spPr>
       </p:pic>
       <p:pic>
         <p:nvPicPr>
-          <p:cNvPr id="14" name="Picture 13"/>
-          <p:cNvPicPr/>
+          <p:cNvPr id="1028" name="Picture 4"/>
+          <p:cNvPicPr>
+            <a:picLocks noChangeArrowheads="1"/>
+          </p:cNvPicPr>
           <p:nvPr/>
         </p:nvPicPr>
         <p:blipFill>
-          <a:blip r:embed="rId5"/>
+          <a:blip r:embed="rId6">
+            <a:extLst>
+              <a:ext uri="{28A0092B-C50C-407E-A947-70E740481C1C}">
+                <a14:useLocalDpi xmlns:a14="http://schemas.microsoft.com/office/drawing/2010/main" val="0"/>
+              </a:ext>
+            </a:extLst>
+          </a:blip>
+          <a:srcRect/>
           <a:stretch>
             <a:fillRect/>
           </a:stretch>
         </p:blipFill>
-        <p:spPr>
+        <p:spPr bwMode="auto">
           <a:xfrm>
-            <a:off x="6324600" y="380556"/>
+            <a:off x="6553200" y="2209800"/>
             <a:ext cx="2569464" cy="3867912"/>
           </a:xfrm>
           <a:prstGeom prst="roundRect">
@@ -10672,112 +10548,36 @@
           <a:effectLst>
             <a:reflection blurRad="12700" stA="38000" endPos="28000" dist="5000" dir="5400000" sy="-100000" algn="bl" rotWithShape="0"/>
           </a:effectLst>
+          <a:extLst>
+            <a:ext uri="{909E8E84-426E-40DD-AFC4-6F175D3DCCD1}">
+              <a14:hiddenFill xmlns:a14="http://schemas.microsoft.com/office/drawing/2010/main">
+                <a:solidFill>
+                  <a:schemeClr val="accent1"/>
+                </a:solidFill>
+              </a14:hiddenFill>
+            </a:ext>
+            <a:ext uri="{91240B29-F687-4F45-9708-019B960494DF}">
+              <a14:hiddenLine xmlns:a14="http://schemas.microsoft.com/office/drawing/2010/main" w="9525">
+                <a:solidFill>
+                  <a:schemeClr val="tx1"/>
+                </a:solidFill>
+                <a:miter lim="800000"/>
+                <a:headEnd/>
+                <a:tailEnd/>
+              </a14:hiddenLine>
+            </a:ext>
+            <a:ext uri="{AF507438-7753-43E0-B8FC-AC1667EBCBE1}">
+              <a14:hiddenEffects xmlns:a14="http://schemas.microsoft.com/office/drawing/2010/main">
+                <a:effectLst>
+                  <a:outerShdw dist="35921" dir="2700000" algn="ctr" rotWithShape="0">
+                    <a:schemeClr val="bg2"/>
+                  </a:outerShdw>
+                </a:effectLst>
+              </a14:hiddenEffects>
+            </a:ext>
+          </a:extLst>
         </p:spPr>
       </p:pic>
-      <p:sp>
-        <p:nvSpPr>
-          <p:cNvPr id="3" name="Rectangle 2"/>
-          <p:cNvSpPr>
-            <a:spLocks noGrp="1"/>
-          </p:cNvSpPr>
-          <p:nvPr>
-            <p:ph type="body" sz="quarter" idx="14"/>
-          </p:nvPr>
-        </p:nvSpPr>
-        <p:spPr/>
-        <p:txBody>
-          <a:bodyPr>
-            <a:normAutofit fontScale="70000" lnSpcReduction="20000"/>
-          </a:bodyPr>
-          <a:lstStyle>
-            <a:extLst/>
-          </a:lstStyle>
-          <a:p>
-            <a:pPr marL="0" indent="0"/>
-            <a:r>
-              <a:rPr lang="en-US" dirty="0" smtClean="0">
-                <a:latin typeface="Arial" pitchFamily="34" charset="0"/>
-                <a:cs typeface="Arial" pitchFamily="34" charset="0"/>
-              </a:rPr>
-              <a:t>Adding and editing Waypoints</a:t>
-            </a:r>
-          </a:p>
-          <a:p>
-            <a:pPr marL="0" indent="0"/>
-            <a:r>
-              <a:rPr lang="en-US" dirty="0" smtClean="0">
-                <a:latin typeface="Arial" pitchFamily="34" charset="0"/>
-                <a:cs typeface="Arial" pitchFamily="34" charset="0"/>
-              </a:rPr>
-              <a:t>Taking Photos and moving them between Waypoints</a:t>
-            </a:r>
-          </a:p>
-          <a:p>
-            <a:pPr marL="0" indent="0"/>
-            <a:r>
-              <a:rPr lang="en-US" dirty="0" smtClean="0">
-                <a:latin typeface="Arial" pitchFamily="34" charset="0"/>
-                <a:cs typeface="Arial" pitchFamily="34" charset="0"/>
-              </a:rPr>
-              <a:t>Deleting Photos </a:t>
-            </a:r>
-            <a:r>
-              <a:rPr lang="en-US" smtClean="0">
-                <a:latin typeface="Arial" pitchFamily="34" charset="0"/>
-                <a:cs typeface="Arial" pitchFamily="34" charset="0"/>
-              </a:rPr>
-              <a:t>and Waypoints</a:t>
-            </a:r>
-            <a:endParaRPr lang="en-US" dirty="0" smtClean="0">
-              <a:latin typeface="Arial" pitchFamily="34" charset="0"/>
-              <a:cs typeface="Arial" pitchFamily="34" charset="0"/>
-            </a:endParaRPr>
-          </a:p>
-          <a:p>
-            <a:pPr marL="0" indent="0"/>
-            <a:r>
-              <a:rPr lang="en-US" dirty="0" smtClean="0">
-                <a:latin typeface="Arial" pitchFamily="34" charset="0"/>
-                <a:cs typeface="Arial" pitchFamily="34" charset="0"/>
-              </a:rPr>
-              <a:t>Mapping Photos</a:t>
-            </a:r>
-            <a:endParaRPr lang="en-US" dirty="0">
-              <a:latin typeface="Arial" pitchFamily="34" charset="0"/>
-              <a:cs typeface="Arial" pitchFamily="34" charset="0"/>
-            </a:endParaRPr>
-          </a:p>
-        </p:txBody>
-      </p:sp>
-      <p:sp>
-        <p:nvSpPr>
-          <p:cNvPr id="10" name="Title 9"/>
-          <p:cNvSpPr>
-            <a:spLocks noGrp="1"/>
-          </p:cNvSpPr>
-          <p:nvPr>
-            <p:ph type="title"/>
-          </p:nvPr>
-        </p:nvSpPr>
-        <p:spPr/>
-        <p:txBody>
-          <a:bodyPr/>
-          <a:lstStyle/>
-          <a:p>
-            <a:r>
-              <a:rPr lang="en-US" dirty="0" smtClean="0">
-                <a:latin typeface="Arial" pitchFamily="34" charset="0"/>
-                <a:cs typeface="Arial" pitchFamily="34" charset="0"/>
-              </a:rPr>
-              <a:t>Demonstration</a:t>
-            </a:r>
-            <a:endParaRPr lang="en-US" dirty="0">
-              <a:latin typeface="Arial" pitchFamily="34" charset="0"/>
-              <a:cs typeface="Arial" pitchFamily="34" charset="0"/>
-            </a:endParaRPr>
-          </a:p>
-        </p:txBody>
-      </p:sp>
     </p:spTree>
   </p:cSld>
   <p:clrMapOvr>
@@ -10858,7 +10658,29 @@
                 <a:latin typeface="Arial" pitchFamily="34" charset="0"/>
                 <a:cs typeface="Arial" pitchFamily="34" charset="0"/>
               </a:rPr>
-              <a:t>Android Intents and available applications</a:t>
+              <a:t>Android Intents and available </a:t>
+            </a:r>
+            <a:r>
+              <a:rPr lang="en-US" dirty="0" smtClean="0">
+                <a:latin typeface="Arial" pitchFamily="34" charset="0"/>
+                <a:cs typeface="Arial" pitchFamily="34" charset="0"/>
+              </a:rPr>
+              <a:t>applications</a:t>
+            </a:r>
+          </a:p>
+          <a:p>
+            <a:endParaRPr lang="en-US" dirty="0">
+              <a:latin typeface="Arial" pitchFamily="34" charset="0"/>
+              <a:cs typeface="Arial" pitchFamily="34" charset="0"/>
+            </a:endParaRPr>
+          </a:p>
+          <a:p>
+            <a:r>
+              <a:rPr lang="en-US" dirty="0" smtClean="0">
+                <a:latin typeface="Arial" pitchFamily="34" charset="0"/>
+                <a:cs typeface="Arial" pitchFamily="34" charset="0"/>
+              </a:rPr>
+              <a:t>Ease of programming when familiar with Java</a:t>
             </a:r>
           </a:p>
         </p:txBody>
@@ -11031,12 +10853,30 @@
                 <a:latin typeface="Arial" pitchFamily="34" charset="0"/>
                 <a:cs typeface="Arial" pitchFamily="34" charset="0"/>
               </a:rPr>
-              <a:t>Not having an Android Device</a:t>
-            </a:r>
+              <a:t>Not having an Android </a:t>
+            </a:r>
+            <a:r>
+              <a:rPr lang="en-US" dirty="0" smtClean="0">
+                <a:latin typeface="Arial" pitchFamily="34" charset="0"/>
+                <a:cs typeface="Arial" pitchFamily="34" charset="0"/>
+              </a:rPr>
+              <a:t>Device</a:t>
+            </a:r>
+          </a:p>
+          <a:p>
             <a:endParaRPr lang="en-US" dirty="0">
               <a:latin typeface="Arial" pitchFamily="34" charset="0"/>
               <a:cs typeface="Arial" pitchFamily="34" charset="0"/>
             </a:endParaRPr>
+          </a:p>
+          <a:p>
+            <a:r>
+              <a:rPr lang="en-US" dirty="0" smtClean="0">
+                <a:latin typeface="Arial" pitchFamily="34" charset="0"/>
+                <a:cs typeface="Arial" pitchFamily="34" charset="0"/>
+              </a:rPr>
+              <a:t>Android Emulator</a:t>
+            </a:r>
           </a:p>
         </p:txBody>
       </p:sp>
@@ -11166,8 +11006,8 @@
         </p:nvSpPr>
         <p:spPr>
           <a:xfrm>
-            <a:off x="228600" y="4419600"/>
-            <a:ext cx="8610600" cy="2209800"/>
+            <a:off x="228600" y="4343400"/>
+            <a:ext cx="8610600" cy="2286000"/>
           </a:xfrm>
         </p:spPr>
         <p:txBody>
@@ -11205,7 +11045,21 @@
                 <a:latin typeface="Arial" pitchFamily="34" charset="0"/>
                 <a:cs typeface="Arial" pitchFamily="34" charset="0"/>
               </a:rPr>
-              <a:t>Some parts are not as mature as they should be, but Android is changing FAST.</a:t>
+              <a:t>Some parts are not as mature as they should </a:t>
+            </a:r>
+            <a:r>
+              <a:rPr lang="en-US" dirty="0" smtClean="0">
+                <a:latin typeface="Arial" pitchFamily="34" charset="0"/>
+                <a:cs typeface="Arial" pitchFamily="34" charset="0"/>
+              </a:rPr>
+              <a:t>be (I’m looking at you, Android Emulator), </a:t>
+            </a:r>
+            <a:r>
+              <a:rPr lang="en-US" dirty="0" smtClean="0">
+                <a:latin typeface="Arial" pitchFamily="34" charset="0"/>
+                <a:cs typeface="Arial" pitchFamily="34" charset="0"/>
+              </a:rPr>
+              <a:t>but Android is changing FAST.</a:t>
             </a:r>
           </a:p>
           <a:p>
@@ -11311,27 +11165,24 @@
         </p:blipFill>
         <p:spPr bwMode="auto">
           <a:xfrm>
-            <a:off x="1295400" y="152400"/>
+            <a:off x="304800" y="128915"/>
             <a:ext cx="6781800" cy="657225"/>
           </a:xfrm>
-          <a:prstGeom prst="round2DiagRect">
+          <a:prstGeom prst="roundRect">
             <a:avLst>
-              <a:gd name="adj1" fmla="val 16667"/>
-              <a:gd name="adj2" fmla="val 0"/>
+              <a:gd name="adj" fmla="val 8594"/>
             </a:avLst>
           </a:prstGeom>
-          <a:ln w="88900" cap="sq">
-            <a:solidFill>
-              <a:srgbClr val="FFFFFF"/>
-            </a:solidFill>
-            <a:miter lim="800000"/>
+          <a:solidFill>
+            <a:srgbClr val="FFFFFF">
+              <a:shade val="85000"/>
+            </a:srgbClr>
+          </a:solidFill>
+          <a:ln>
+            <a:noFill/>
           </a:ln>
           <a:effectLst>
-            <a:outerShdw blurRad="254000" algn="tl" rotWithShape="0">
-              <a:srgbClr val="000000">
-                <a:alpha val="43000"/>
-              </a:srgbClr>
-            </a:outerShdw>
+            <a:reflection blurRad="12700" stA="38000" endPos="28000" dist="5000" dir="5400000" sy="-100000" algn="bl" rotWithShape="0"/>
           </a:effectLst>
           <a:extLst>
             <a:ext uri="{909E8E84-426E-40DD-AFC4-6F175D3DCCD1}">
@@ -11543,7 +11394,7 @@
           <a:lstStyle/>
           <a:p>
             <a:r>
-              <a:rPr lang="en-US" dirty="0" err="1" smtClean="0">
+              <a:rPr lang="en-US" dirty="0" smtClean="0">
                 <a:latin typeface="Arial" pitchFamily="34" charset="0"/>
                 <a:cs typeface="Arial" pitchFamily="34" charset="0"/>
               </a:rPr>
